--- a/webservice/ibm/office/powerpoint/02-15-2023-nonPoliceDEA.pptx
+++ b/webservice/ibm/office/powerpoint/02-15-2023-nonPoliceDEA.pptx
@@ -11,6 +11,7 @@
     <p:sldId id="259" r:id="rId5"/>
     <p:sldId id="261" r:id="rId6"/>
     <p:sldId id="260" r:id="rId7"/>
+    <p:sldId id="262" r:id="rId8"/>
   </p:sldIdLst>
   <p:sldSz cx="12192000" cy="6858000"/>
   <p:notesSz cx="6858000" cy="9144000"/>
@@ -6641,41 +6642,6 @@
           <a:chExt cx="0" cy="0"/>
         </a:xfrm>
       </p:grpSpPr>
-      <p:sp>
-        <p:nvSpPr>
-          <p:cNvPr id="6" name="TextBox 5">
-            <a:extLst>
-              <a:ext uri="{FF2B5EF4-FFF2-40B4-BE49-F238E27FC236}">
-                <a16:creationId xmlns:a16="http://schemas.microsoft.com/office/drawing/2014/main" id="{D32AA674-F1AF-4397-A4E6-4797318983B0}"/>
-              </a:ext>
-            </a:extLst>
-          </p:cNvPr>
-          <p:cNvSpPr txBox="1"/>
-          <p:nvPr/>
-        </p:nvSpPr>
-        <p:spPr>
-          <a:xfrm>
-            <a:off x="3773366" y="4431610"/>
-            <a:ext cx="880562" cy="369332"/>
-          </a:xfrm>
-          <a:prstGeom prst="rect">
-            <a:avLst/>
-          </a:prstGeom>
-          <a:noFill/>
-        </p:spPr>
-        <p:txBody>
-          <a:bodyPr wrap="none" rtlCol="0">
-            <a:spAutoFit/>
-          </a:bodyPr>
-          <a:lstStyle/>
-          <a:p>
-            <a:r>
-              <a:rPr lang="en-US" dirty="0"/>
-              <a:t>SAP, Oli</a:t>
-            </a:r>
-          </a:p>
-        </p:txBody>
-      </p:sp>
       <p:pic>
         <p:nvPicPr>
           <p:cNvPr id="9" name="Picture 8">
@@ -6698,8 +6664,8 @@
         </p:blipFill>
         <p:spPr>
           <a:xfrm>
-            <a:off x="7235535" y="2915774"/>
-            <a:ext cx="1275227" cy="1275227"/>
+            <a:off x="3461406" y="3184217"/>
+            <a:ext cx="1720133" cy="1720133"/>
           </a:xfrm>
           <a:prstGeom prst="rect">
             <a:avLst/>
@@ -6720,8 +6686,8 @@
         </p:nvSpPr>
         <p:spPr>
           <a:xfrm>
-            <a:off x="7253111" y="4324868"/>
-            <a:ext cx="1436612" cy="369332"/>
+            <a:off x="7334635" y="4838996"/>
+            <a:ext cx="1770228" cy="369332"/>
           </a:xfrm>
           <a:prstGeom prst="rect">
             <a:avLst/>
@@ -6736,17 +6702,57 @@
           <a:p>
             <a:r>
               <a:rPr lang="en-US" dirty="0"/>
-              <a:t>Apple, Daniel</a:t>
+              <a:t>Gorbachev, </a:t>
+            </a:r>
+            <a:r>
+              <a:rPr lang="en-US" dirty="0" err="1"/>
+              <a:t>Uhse</a:t>
+            </a:r>
+            <a:endParaRPr lang="en-US" dirty="0"/>
+          </a:p>
+        </p:txBody>
+      </p:sp>
+      <p:sp>
+        <p:nvSpPr>
+          <p:cNvPr id="20" name="TextBox 19">
+            <a:extLst>
+              <a:ext uri="{FF2B5EF4-FFF2-40B4-BE49-F238E27FC236}">
+                <a16:creationId xmlns:a16="http://schemas.microsoft.com/office/drawing/2014/main" id="{695672FD-DD3A-4DA7-8C3E-B931A418D16E}"/>
+              </a:ext>
+            </a:extLst>
+          </p:cNvPr>
+          <p:cNvSpPr txBox="1"/>
+          <p:nvPr/>
+        </p:nvSpPr>
+        <p:spPr>
+          <a:xfrm>
+            <a:off x="5521065" y="484437"/>
+            <a:ext cx="633700" cy="369332"/>
+          </a:xfrm>
+          <a:prstGeom prst="rect">
+            <a:avLst/>
+          </a:prstGeom>
+          <a:noFill/>
+        </p:spPr>
+        <p:txBody>
+          <a:bodyPr wrap="square" rtlCol="0">
+            <a:spAutoFit/>
+          </a:bodyPr>
+          <a:lstStyle/>
+          <a:p>
+            <a:r>
+              <a:rPr lang="en-US" dirty="0"/>
+              <a:t>Sin 1</a:t>
             </a:r>
           </a:p>
         </p:txBody>
       </p:sp>
       <p:pic>
         <p:nvPicPr>
-          <p:cNvPr id="11" name="Picture 10">
-            <a:extLst>
-              <a:ext uri="{FF2B5EF4-FFF2-40B4-BE49-F238E27FC236}">
-                <a16:creationId xmlns:a16="http://schemas.microsoft.com/office/drawing/2014/main" id="{DA40BE60-952E-4533-BA98-8658DF84EBF1}"/>
+          <p:cNvPr id="3" name="Picture 2">
+            <a:extLst>
+              <a:ext uri="{FF2B5EF4-FFF2-40B4-BE49-F238E27FC236}">
+                <a16:creationId xmlns:a16="http://schemas.microsoft.com/office/drawing/2014/main" id="{A56C617D-6018-4750-9672-F959FB08A62A}"/>
               </a:ext>
             </a:extLst>
           </p:cNvPr>
@@ -6756,27 +6762,67 @@
           <p:nvPr/>
         </p:nvPicPr>
         <p:blipFill>
-          <a:blip r:embed="rId3"/>
+          <a:blip r:embed="rId3">
+            <a:extLst>
+              <a:ext uri="{28A0092B-C50C-407E-A947-70E740481C1C}">
+                <a14:useLocalDpi xmlns:a14="http://schemas.microsoft.com/office/drawing/2010/main" val="0"/>
+              </a:ext>
+            </a:extLst>
+          </a:blip>
           <a:stretch>
             <a:fillRect/>
           </a:stretch>
         </p:blipFill>
         <p:spPr>
           <a:xfrm>
-            <a:off x="3413012" y="2764834"/>
-            <a:ext cx="1601270" cy="1666776"/>
+            <a:off x="7300717" y="3487298"/>
+            <a:ext cx="1289516" cy="1289516"/>
           </a:xfrm>
           <a:prstGeom prst="rect">
             <a:avLst/>
           </a:prstGeom>
         </p:spPr>
       </p:pic>
+      <p:sp>
+        <p:nvSpPr>
+          <p:cNvPr id="4" name="Rectangle 3">
+            <a:extLst>
+              <a:ext uri="{FF2B5EF4-FFF2-40B4-BE49-F238E27FC236}">
+                <a16:creationId xmlns:a16="http://schemas.microsoft.com/office/drawing/2014/main" id="{792D567A-3D85-438E-92EF-D718EF828BFB}"/>
+              </a:ext>
+            </a:extLst>
+          </p:cNvPr>
+          <p:cNvSpPr/>
+          <p:nvPr/>
+        </p:nvSpPr>
+        <p:spPr>
+          <a:xfrm>
+            <a:off x="7671201" y="3176508"/>
+            <a:ext cx="548548" cy="369332"/>
+          </a:xfrm>
+          <a:prstGeom prst="rect">
+            <a:avLst/>
+          </a:prstGeom>
+        </p:spPr>
+        <p:txBody>
+          <a:bodyPr wrap="none">
+            <a:spAutoFit/>
+          </a:bodyPr>
+          <a:lstStyle/>
+          <a:p>
+            <a:r>
+              <a:rPr lang="en-US" dirty="0"/>
+              <a:t>Dell</a:t>
+            </a:r>
+          </a:p>
+        </p:txBody>
+      </p:sp>
       <p:pic>
         <p:nvPicPr>
-          <p:cNvPr id="12" name="Picture 11">
-            <a:extLst>
-              <a:ext uri="{FF2B5EF4-FFF2-40B4-BE49-F238E27FC236}">
-                <a16:creationId xmlns:a16="http://schemas.microsoft.com/office/drawing/2014/main" id="{557E5087-E58F-4259-8CDD-0F2DEEDA6EB6}"/>
+          <p:cNvPr id="7" name="Picture 6">
+            <a:extLst>
+              <a:ext uri="{FF2B5EF4-FFF2-40B4-BE49-F238E27FC236}">
+                <a16:creationId xmlns:a16="http://schemas.microsoft.com/office/drawing/2014/main" id="{C0F5B094-5894-45F2-AF29-F0F454D03F10}"/>
               </a:ext>
             </a:extLst>
           </p:cNvPr>
@@ -6786,338 +6832,47 @@
           <p:nvPr/>
         </p:nvPicPr>
         <p:blipFill>
-          <a:blip r:embed="rId4"/>
+          <a:blip r:embed="rId4">
+            <a:extLst>
+              <a:ext uri="{28A0092B-C50C-407E-A947-70E740481C1C}">
+                <a14:useLocalDpi xmlns:a14="http://schemas.microsoft.com/office/drawing/2010/main" val="0"/>
+              </a:ext>
+            </a:extLst>
+          </a:blip>
           <a:stretch>
             <a:fillRect/>
           </a:stretch>
         </p:blipFill>
         <p:spPr>
           <a:xfrm>
-            <a:off x="5966483" y="3851515"/>
-            <a:ext cx="316850" cy="148137"/>
-          </a:xfrm>
-          <a:prstGeom prst="rect">
-            <a:avLst/>
-          </a:prstGeom>
-        </p:spPr>
-      </p:pic>
-      <p:pic>
-        <p:nvPicPr>
-          <p:cNvPr id="13" name="Picture 12">
-            <a:extLst>
-              <a:ext uri="{FF2B5EF4-FFF2-40B4-BE49-F238E27FC236}">
-                <a16:creationId xmlns:a16="http://schemas.microsoft.com/office/drawing/2014/main" id="{579E70BB-611B-4648-A7B7-011BCB7545F2}"/>
-              </a:ext>
-            </a:extLst>
-          </p:cNvPr>
-          <p:cNvPicPr>
-            <a:picLocks noChangeAspect="1"/>
-          </p:cNvPicPr>
-          <p:nvPr/>
-        </p:nvPicPr>
-        <p:blipFill>
-          <a:blip r:embed="rId4"/>
-          <a:stretch>
-            <a:fillRect/>
-          </a:stretch>
-        </p:blipFill>
-        <p:spPr>
-          <a:xfrm>
-            <a:off x="5649633" y="3925583"/>
-            <a:ext cx="316850" cy="148137"/>
-          </a:xfrm>
-          <a:prstGeom prst="rect">
-            <a:avLst/>
-          </a:prstGeom>
-        </p:spPr>
-      </p:pic>
-      <p:pic>
-        <p:nvPicPr>
-          <p:cNvPr id="14" name="Picture 13">
-            <a:extLst>
-              <a:ext uri="{FF2B5EF4-FFF2-40B4-BE49-F238E27FC236}">
-                <a16:creationId xmlns:a16="http://schemas.microsoft.com/office/drawing/2014/main" id="{E691D0A9-A785-4A63-8CB0-5C230BA5323F}"/>
-              </a:ext>
-            </a:extLst>
-          </p:cNvPr>
-          <p:cNvPicPr>
-            <a:picLocks noChangeAspect="1"/>
-          </p:cNvPicPr>
-          <p:nvPr/>
-        </p:nvPicPr>
-        <p:blipFill>
-          <a:blip r:embed="rId4"/>
-          <a:stretch>
-            <a:fillRect/>
-          </a:stretch>
-        </p:blipFill>
-        <p:spPr>
-          <a:xfrm>
-            <a:off x="5802033" y="4077983"/>
-            <a:ext cx="316850" cy="148137"/>
-          </a:xfrm>
-          <a:prstGeom prst="rect">
-            <a:avLst/>
-          </a:prstGeom>
-        </p:spPr>
-      </p:pic>
-      <p:pic>
-        <p:nvPicPr>
-          <p:cNvPr id="15" name="Picture 14">
-            <a:extLst>
-              <a:ext uri="{FF2B5EF4-FFF2-40B4-BE49-F238E27FC236}">
-                <a16:creationId xmlns:a16="http://schemas.microsoft.com/office/drawing/2014/main" id="{2A44B073-1A72-4A8E-8DA7-8CDB5BA8EF3F}"/>
-              </a:ext>
-            </a:extLst>
-          </p:cNvPr>
-          <p:cNvPicPr>
-            <a:picLocks noChangeAspect="1"/>
-          </p:cNvPicPr>
-          <p:nvPr/>
-        </p:nvPicPr>
-        <p:blipFill>
-          <a:blip r:embed="rId4"/>
-          <a:stretch>
-            <a:fillRect/>
-          </a:stretch>
-        </p:blipFill>
-        <p:spPr>
-          <a:xfrm>
-            <a:off x="5954433" y="4230383"/>
-            <a:ext cx="316850" cy="148137"/>
-          </a:xfrm>
-          <a:prstGeom prst="rect">
-            <a:avLst/>
-          </a:prstGeom>
-        </p:spPr>
-      </p:pic>
-      <p:pic>
-        <p:nvPicPr>
-          <p:cNvPr id="16" name="Picture 15">
-            <a:extLst>
-              <a:ext uri="{FF2B5EF4-FFF2-40B4-BE49-F238E27FC236}">
-                <a16:creationId xmlns:a16="http://schemas.microsoft.com/office/drawing/2014/main" id="{17FAB159-17FE-4AE8-A7DE-5C0B2034A611}"/>
-              </a:ext>
-            </a:extLst>
-          </p:cNvPr>
-          <p:cNvPicPr>
-            <a:picLocks noChangeAspect="1"/>
-          </p:cNvPicPr>
-          <p:nvPr/>
-        </p:nvPicPr>
-        <p:blipFill>
-          <a:blip r:embed="rId4"/>
-          <a:stretch>
-            <a:fillRect/>
-          </a:stretch>
-        </p:blipFill>
-        <p:spPr>
-          <a:xfrm>
-            <a:off x="5649633" y="3925583"/>
-            <a:ext cx="316850" cy="148137"/>
-          </a:xfrm>
-          <a:prstGeom prst="rect">
-            <a:avLst/>
-          </a:prstGeom>
-        </p:spPr>
-      </p:pic>
-      <p:pic>
-        <p:nvPicPr>
-          <p:cNvPr id="17" name="Picture 16">
-            <a:extLst>
-              <a:ext uri="{FF2B5EF4-FFF2-40B4-BE49-F238E27FC236}">
-                <a16:creationId xmlns:a16="http://schemas.microsoft.com/office/drawing/2014/main" id="{67B26BB4-4299-4239-ACBF-F3FAD5976D4D}"/>
-              </a:ext>
-            </a:extLst>
-          </p:cNvPr>
-          <p:cNvPicPr>
-            <a:picLocks noChangeAspect="1"/>
-          </p:cNvPicPr>
-          <p:nvPr/>
-        </p:nvPicPr>
-        <p:blipFill>
-          <a:blip r:embed="rId4"/>
-          <a:stretch>
-            <a:fillRect/>
-          </a:stretch>
-        </p:blipFill>
-        <p:spPr>
-          <a:xfrm>
-            <a:off x="5802033" y="4077983"/>
-            <a:ext cx="316850" cy="148137"/>
-          </a:xfrm>
-          <a:prstGeom prst="rect">
-            <a:avLst/>
-          </a:prstGeom>
-        </p:spPr>
-      </p:pic>
-      <p:pic>
-        <p:nvPicPr>
-          <p:cNvPr id="18" name="Picture 17">
-            <a:extLst>
-              <a:ext uri="{FF2B5EF4-FFF2-40B4-BE49-F238E27FC236}">
-                <a16:creationId xmlns:a16="http://schemas.microsoft.com/office/drawing/2014/main" id="{4AA82702-EE25-4A7F-B5CF-E7EBE1E5ED91}"/>
-              </a:ext>
-            </a:extLst>
-          </p:cNvPr>
-          <p:cNvPicPr>
-            <a:picLocks noChangeAspect="1"/>
-          </p:cNvPicPr>
-          <p:nvPr/>
-        </p:nvPicPr>
-        <p:blipFill>
-          <a:blip r:embed="rId4"/>
-          <a:stretch>
-            <a:fillRect/>
-          </a:stretch>
-        </p:blipFill>
-        <p:spPr>
-          <a:xfrm>
-            <a:off x="5954433" y="4230383"/>
-            <a:ext cx="316850" cy="148137"/>
-          </a:xfrm>
-          <a:prstGeom prst="rect">
-            <a:avLst/>
-          </a:prstGeom>
-        </p:spPr>
-      </p:pic>
-      <p:pic>
-        <p:nvPicPr>
-          <p:cNvPr id="19" name="Picture 18">
-            <a:extLst>
-              <a:ext uri="{FF2B5EF4-FFF2-40B4-BE49-F238E27FC236}">
-                <a16:creationId xmlns:a16="http://schemas.microsoft.com/office/drawing/2014/main" id="{9B7EF5FA-4E9F-4685-8214-9CCF969E6342}"/>
-              </a:ext>
-            </a:extLst>
-          </p:cNvPr>
-          <p:cNvPicPr>
-            <a:picLocks noChangeAspect="1"/>
-          </p:cNvPicPr>
-          <p:nvPr/>
-        </p:nvPicPr>
-        <p:blipFill>
-          <a:blip r:embed="rId4"/>
-          <a:stretch>
-            <a:fillRect/>
-          </a:stretch>
-        </p:blipFill>
-        <p:spPr>
-          <a:xfrm>
-            <a:off x="6106833" y="4382783"/>
-            <a:ext cx="316850" cy="148137"/>
-          </a:xfrm>
-          <a:prstGeom prst="rect">
-            <a:avLst/>
-          </a:prstGeom>
-        </p:spPr>
-      </p:pic>
-      <p:sp>
-        <p:nvSpPr>
-          <p:cNvPr id="20" name="TextBox 19">
-            <a:extLst>
-              <a:ext uri="{FF2B5EF4-FFF2-40B4-BE49-F238E27FC236}">
-                <a16:creationId xmlns:a16="http://schemas.microsoft.com/office/drawing/2014/main" id="{695672FD-DD3A-4DA7-8C3E-B931A418D16E}"/>
-              </a:ext>
-            </a:extLst>
-          </p:cNvPr>
-          <p:cNvSpPr txBox="1"/>
-          <p:nvPr/>
-        </p:nvSpPr>
-        <p:spPr>
-          <a:xfrm>
-            <a:off x="5649633" y="2269443"/>
-            <a:ext cx="633700" cy="369332"/>
-          </a:xfrm>
-          <a:prstGeom prst="rect">
-            <a:avLst/>
-          </a:prstGeom>
-          <a:noFill/>
-        </p:spPr>
-        <p:txBody>
-          <a:bodyPr wrap="square" rtlCol="0">
-            <a:spAutoFit/>
-          </a:bodyPr>
-          <a:lstStyle/>
-          <a:p>
-            <a:r>
-              <a:rPr lang="en-US" dirty="0"/>
-              <a:t>sin</a:t>
-            </a:r>
-          </a:p>
-        </p:txBody>
-      </p:sp>
-      <p:pic>
-        <p:nvPicPr>
-          <p:cNvPr id="2050" name="Picture 2" descr="California State Flag – 50states">
-            <a:extLst>
-              <a:ext uri="{FF2B5EF4-FFF2-40B4-BE49-F238E27FC236}">
-                <a16:creationId xmlns:a16="http://schemas.microsoft.com/office/drawing/2014/main" id="{BD42ED7F-6F96-4EDE-A095-9F1C4016AA89}"/>
-              </a:ext>
-            </a:extLst>
-          </p:cNvPr>
-          <p:cNvPicPr>
-            <a:picLocks noChangeAspect="1" noChangeArrowheads="1"/>
-          </p:cNvPicPr>
-          <p:nvPr/>
-        </p:nvPicPr>
-        <p:blipFill>
-          <a:blip r:embed="rId5">
-            <a:extLst>
-              <a:ext uri="{28A0092B-C50C-407E-A947-70E740481C1C}">
-                <a14:useLocalDpi xmlns:a14="http://schemas.microsoft.com/office/drawing/2010/main" val="0"/>
-              </a:ext>
-            </a:extLst>
-          </a:blip>
-          <a:srcRect/>
-          <a:stretch>
-            <a:fillRect/>
-          </a:stretch>
-        </p:blipFill>
-        <p:spPr bwMode="auto">
-          <a:xfrm>
-            <a:off x="5187616" y="1185969"/>
-            <a:ext cx="1268315" cy="844006"/>
-          </a:xfrm>
-          <a:prstGeom prst="rect">
-            <a:avLst/>
-          </a:prstGeom>
-          <a:noFill/>
-          <a:extLst>
-            <a:ext uri="{909E8E84-426E-40DD-AFC4-6F175D3DCCD1}">
-              <a14:hiddenFill xmlns:a14="http://schemas.microsoft.com/office/drawing/2010/main">
-                <a:solidFill>
-                  <a:srgbClr val="FFFFFF"/>
-                </a:solidFill>
-              </a14:hiddenFill>
-            </a:ext>
-          </a:extLst>
+            <a:off x="5140197" y="3152765"/>
+            <a:ext cx="1833564" cy="1833564"/>
+          </a:xfrm>
+          <a:prstGeom prst="rect">
+            <a:avLst/>
+          </a:prstGeom>
         </p:spPr>
       </p:pic>
       <p:cxnSp>
         <p:nvCxnSpPr>
-          <p:cNvPr id="22" name="Straight Arrow Connector 21">
-            <a:extLst>
-              <a:ext uri="{FF2B5EF4-FFF2-40B4-BE49-F238E27FC236}">
-                <a16:creationId xmlns:a16="http://schemas.microsoft.com/office/drawing/2014/main" id="{12BBD701-5EB2-4190-A56D-2CFBA45EE40F}"/>
-              </a:ext>
-            </a:extLst>
-          </p:cNvPr>
-          <p:cNvCxnSpPr>
-            <a:cxnSpLocks/>
-          </p:cNvCxnSpPr>
+          <p:cNvPr id="23" name="Straight Connector 22">
+            <a:extLst>
+              <a:ext uri="{FF2B5EF4-FFF2-40B4-BE49-F238E27FC236}">
+                <a16:creationId xmlns:a16="http://schemas.microsoft.com/office/drawing/2014/main" id="{41CC6954-4159-47DC-83F4-8BA04D543D63}"/>
+              </a:ext>
+            </a:extLst>
+          </p:cNvPr>
+          <p:cNvCxnSpPr/>
           <p:nvPr/>
         </p:nvCxnSpPr>
         <p:spPr>
-          <a:xfrm flipV="1">
-            <a:off x="5488783" y="2454109"/>
-            <a:ext cx="665982" cy="76464"/>
-          </a:xfrm>
-          <a:prstGeom prst="straightConnector1">
-            <a:avLst/>
-          </a:prstGeom>
-          <a:ln>
-            <a:tailEnd type="triangle"/>
-          </a:ln>
+          <a:xfrm>
+            <a:off x="1730383" y="1016000"/>
+            <a:ext cx="9105900" cy="0"/>
+          </a:xfrm>
+          <a:prstGeom prst="line">
+            <a:avLst/>
+          </a:prstGeom>
         </p:spPr>
         <p:style>
           <a:lnRef idx="1">
@@ -7134,6 +6889,263 @@
           </a:fontRef>
         </p:style>
       </p:cxnSp>
+      <p:cxnSp>
+        <p:nvCxnSpPr>
+          <p:cNvPr id="24" name="Straight Connector 23">
+            <a:extLst>
+              <a:ext uri="{FF2B5EF4-FFF2-40B4-BE49-F238E27FC236}">
+                <a16:creationId xmlns:a16="http://schemas.microsoft.com/office/drawing/2014/main" id="{7092D311-98A3-4ED9-9FC7-CD2968B36AA3}"/>
+              </a:ext>
+            </a:extLst>
+          </p:cNvPr>
+          <p:cNvCxnSpPr/>
+          <p:nvPr/>
+        </p:nvCxnSpPr>
+        <p:spPr>
+          <a:xfrm>
+            <a:off x="1929025" y="3154768"/>
+            <a:ext cx="9105900" cy="0"/>
+          </a:xfrm>
+          <a:prstGeom prst="line">
+            <a:avLst/>
+          </a:prstGeom>
+        </p:spPr>
+        <p:style>
+          <a:lnRef idx="1">
+            <a:schemeClr val="accent1"/>
+          </a:lnRef>
+          <a:fillRef idx="0">
+            <a:schemeClr val="accent1"/>
+          </a:fillRef>
+          <a:effectRef idx="0">
+            <a:schemeClr val="accent1"/>
+          </a:effectRef>
+          <a:fontRef idx="minor">
+            <a:schemeClr val="tx1"/>
+          </a:fontRef>
+        </p:style>
+      </p:cxnSp>
+      <p:cxnSp>
+        <p:nvCxnSpPr>
+          <p:cNvPr id="25" name="Straight Connector 24">
+            <a:extLst>
+              <a:ext uri="{FF2B5EF4-FFF2-40B4-BE49-F238E27FC236}">
+                <a16:creationId xmlns:a16="http://schemas.microsoft.com/office/drawing/2014/main" id="{700464C5-DEAD-4DE8-AD85-9AEA5805AAF1}"/>
+              </a:ext>
+            </a:extLst>
+          </p:cNvPr>
+          <p:cNvCxnSpPr/>
+          <p:nvPr/>
+        </p:nvCxnSpPr>
+        <p:spPr>
+          <a:xfrm>
+            <a:off x="2013200" y="5881637"/>
+            <a:ext cx="9105900" cy="0"/>
+          </a:xfrm>
+          <a:prstGeom prst="line">
+            <a:avLst/>
+          </a:prstGeom>
+        </p:spPr>
+        <p:style>
+          <a:lnRef idx="1">
+            <a:schemeClr val="accent1"/>
+          </a:lnRef>
+          <a:fillRef idx="0">
+            <a:schemeClr val="accent1"/>
+          </a:fillRef>
+          <a:effectRef idx="0">
+            <a:schemeClr val="accent1"/>
+          </a:effectRef>
+          <a:fontRef idx="minor">
+            <a:schemeClr val="tx1"/>
+          </a:fontRef>
+        </p:style>
+      </p:cxnSp>
+      <p:pic>
+        <p:nvPicPr>
+          <p:cNvPr id="26" name="Picture 25">
+            <a:extLst>
+              <a:ext uri="{FF2B5EF4-FFF2-40B4-BE49-F238E27FC236}">
+                <a16:creationId xmlns:a16="http://schemas.microsoft.com/office/drawing/2014/main" id="{500E76FF-A8FF-4431-AAE4-16AFC03FE7DE}"/>
+              </a:ext>
+            </a:extLst>
+          </p:cNvPr>
+          <p:cNvPicPr>
+            <a:picLocks noChangeAspect="1"/>
+          </p:cNvPicPr>
+          <p:nvPr/>
+        </p:nvPicPr>
+        <p:blipFill>
+          <a:blip r:embed="rId2"/>
+          <a:stretch>
+            <a:fillRect/>
+          </a:stretch>
+        </p:blipFill>
+        <p:spPr>
+          <a:xfrm>
+            <a:off x="165147" y="1884969"/>
+            <a:ext cx="1720133" cy="1720133"/>
+          </a:xfrm>
+          <a:prstGeom prst="rect">
+            <a:avLst/>
+          </a:prstGeom>
+        </p:spPr>
+      </p:pic>
+      <p:sp>
+        <p:nvSpPr>
+          <p:cNvPr id="27" name="TextBox 26">
+            <a:extLst>
+              <a:ext uri="{FF2B5EF4-FFF2-40B4-BE49-F238E27FC236}">
+                <a16:creationId xmlns:a16="http://schemas.microsoft.com/office/drawing/2014/main" id="{AE21D03D-4D68-41E7-BB3B-7981E60FD0D3}"/>
+              </a:ext>
+            </a:extLst>
+          </p:cNvPr>
+          <p:cNvSpPr txBox="1"/>
+          <p:nvPr/>
+        </p:nvSpPr>
+        <p:spPr>
+          <a:xfrm>
+            <a:off x="120997" y="82577"/>
+            <a:ext cx="5400068" cy="584775"/>
+          </a:xfrm>
+          <a:prstGeom prst="rect">
+            <a:avLst/>
+          </a:prstGeom>
+          <a:noFill/>
+        </p:spPr>
+        <p:txBody>
+          <a:bodyPr wrap="none" rtlCol="0">
+            <a:spAutoFit/>
+          </a:bodyPr>
+          <a:lstStyle/>
+          <a:p>
+            <a:r>
+              <a:rPr lang="en-US" dirty="0" err="1"/>
+              <a:t>ibm.damiler.rudolf</a:t>
+            </a:r>
+            <a:r>
+              <a:rPr lang="en-US" dirty="0"/>
+              <a:t>-diesel:</a:t>
+            </a:r>
+          </a:p>
+          <a:p>
+            <a:r>
+              <a:rPr lang="en-US" sz="1400" b="1" dirty="0"/>
+              <a:t>KYSTAL(</a:t>
+            </a:r>
+            <a:r>
+              <a:rPr lang="en-US" sz="1400" b="1" dirty="0" err="1"/>
+              <a:t>nonPoliceStudent.nonPoliePentagon.nonPolzieKalrrueh.BASE</a:t>
+            </a:r>
+            <a:r>
+              <a:rPr lang="en-US" sz="1400" b="1" dirty="0"/>
+              <a:t>)</a:t>
+            </a:r>
+          </a:p>
+        </p:txBody>
+      </p:sp>
+      <p:pic>
+        <p:nvPicPr>
+          <p:cNvPr id="21" name="Picture 20">
+            <a:extLst>
+              <a:ext uri="{FF2B5EF4-FFF2-40B4-BE49-F238E27FC236}">
+                <a16:creationId xmlns:a16="http://schemas.microsoft.com/office/drawing/2014/main" id="{F11CD00A-6613-4400-9221-5F0435A621AF}"/>
+              </a:ext>
+            </a:extLst>
+          </p:cNvPr>
+          <p:cNvPicPr>
+            <a:picLocks noChangeAspect="1"/>
+          </p:cNvPicPr>
+          <p:nvPr/>
+        </p:nvPicPr>
+        <p:blipFill>
+          <a:blip r:embed="rId5">
+            <a:extLst>
+              <a:ext uri="{28A0092B-C50C-407E-A947-70E740481C1C}">
+                <a14:useLocalDpi xmlns:a14="http://schemas.microsoft.com/office/drawing/2010/main" val="0"/>
+              </a:ext>
+            </a:extLst>
+          </a:blip>
+          <a:stretch>
+            <a:fillRect/>
+          </a:stretch>
+        </p:blipFill>
+        <p:spPr>
+          <a:xfrm>
+            <a:off x="120997" y="694148"/>
+            <a:ext cx="1563105" cy="937863"/>
+          </a:xfrm>
+          <a:prstGeom prst="rect">
+            <a:avLst/>
+          </a:prstGeom>
+        </p:spPr>
+      </p:pic>
+      <p:pic>
+        <p:nvPicPr>
+          <p:cNvPr id="30" name="Picture 29">
+            <a:extLst>
+              <a:ext uri="{FF2B5EF4-FFF2-40B4-BE49-F238E27FC236}">
+                <a16:creationId xmlns:a16="http://schemas.microsoft.com/office/drawing/2014/main" id="{DE34C989-F6D1-4D1E-8BDF-7F29631CB436}"/>
+              </a:ext>
+            </a:extLst>
+          </p:cNvPr>
+          <p:cNvPicPr>
+            <a:picLocks noChangeAspect="1"/>
+          </p:cNvPicPr>
+          <p:nvPr/>
+        </p:nvPicPr>
+        <p:blipFill>
+          <a:blip r:embed="rId2"/>
+          <a:stretch>
+            <a:fillRect/>
+          </a:stretch>
+        </p:blipFill>
+        <p:spPr>
+          <a:xfrm>
+            <a:off x="3517850" y="1221534"/>
+            <a:ext cx="1720133" cy="1720133"/>
+          </a:xfrm>
+          <a:prstGeom prst="rect">
+            <a:avLst/>
+          </a:prstGeom>
+        </p:spPr>
+      </p:pic>
+      <p:pic>
+        <p:nvPicPr>
+          <p:cNvPr id="31" name="Picture 30">
+            <a:extLst>
+              <a:ext uri="{FF2B5EF4-FFF2-40B4-BE49-F238E27FC236}">
+                <a16:creationId xmlns:a16="http://schemas.microsoft.com/office/drawing/2014/main" id="{066AC559-4E1A-4157-8EB6-9FC623BBF51D}"/>
+              </a:ext>
+            </a:extLst>
+          </p:cNvPr>
+          <p:cNvPicPr>
+            <a:picLocks noChangeAspect="1"/>
+          </p:cNvPicPr>
+          <p:nvPr/>
+        </p:nvPicPr>
+        <p:blipFill>
+          <a:blip r:embed="rId4">
+            <a:extLst>
+              <a:ext uri="{28A0092B-C50C-407E-A947-70E740481C1C}">
+                <a14:useLocalDpi xmlns:a14="http://schemas.microsoft.com/office/drawing/2010/main" val="0"/>
+              </a:ext>
+            </a:extLst>
+          </a:blip>
+          <a:stretch>
+            <a:fillRect/>
+          </a:stretch>
+        </p:blipFill>
+        <p:spPr>
+          <a:xfrm>
+            <a:off x="5237983" y="1119509"/>
+            <a:ext cx="1833564" cy="1833564"/>
+          </a:xfrm>
+          <a:prstGeom prst="rect">
+            <a:avLst/>
+          </a:prstGeom>
+        </p:spPr>
+      </p:pic>
     </p:spTree>
     <p:extLst>
       <p:ext uri="{BB962C8B-B14F-4D97-AF65-F5344CB8AC3E}">
@@ -7545,6 +7557,89 @@
     <p:extLst>
       <p:ext uri="{BB962C8B-B14F-4D97-AF65-F5344CB8AC3E}">
         <p14:creationId xmlns:p14="http://schemas.microsoft.com/office/powerpoint/2010/main" val="698256648"/>
+      </p:ext>
+    </p:extLst>
+  </p:cSld>
+  <p:clrMapOvr>
+    <a:masterClrMapping/>
+  </p:clrMapOvr>
+</p:sld>
+</file>
+
+<file path=ppt/slides/slide7.xml><?xml version="1.0" encoding="utf-8"?>
+<p:sld xmlns:a="http://schemas.openxmlformats.org/drawingml/2006/main" xmlns:r="http://schemas.openxmlformats.org/officeDocument/2006/relationships" xmlns:p="http://schemas.openxmlformats.org/presentationml/2006/main">
+  <p:cSld>
+    <p:spTree>
+      <p:nvGrpSpPr>
+        <p:cNvPr id="1" name=""/>
+        <p:cNvGrpSpPr/>
+        <p:nvPr/>
+      </p:nvGrpSpPr>
+      <p:grpSpPr>
+        <a:xfrm>
+          <a:off x="0" y="0"/>
+          <a:ext cx="0" cy="0"/>
+          <a:chOff x="0" y="0"/>
+          <a:chExt cx="0" cy="0"/>
+        </a:xfrm>
+      </p:grpSpPr>
+      <p:sp>
+        <p:nvSpPr>
+          <p:cNvPr id="27" name="TextBox 26">
+            <a:extLst>
+              <a:ext uri="{FF2B5EF4-FFF2-40B4-BE49-F238E27FC236}">
+                <a16:creationId xmlns:a16="http://schemas.microsoft.com/office/drawing/2014/main" id="{AE21D03D-4D68-41E7-BB3B-7981E60FD0D3}"/>
+              </a:ext>
+            </a:extLst>
+          </p:cNvPr>
+          <p:cNvSpPr txBox="1"/>
+          <p:nvPr/>
+        </p:nvSpPr>
+        <p:spPr>
+          <a:xfrm>
+            <a:off x="120997" y="82577"/>
+            <a:ext cx="5400068" cy="584775"/>
+          </a:xfrm>
+          <a:prstGeom prst="rect">
+            <a:avLst/>
+          </a:prstGeom>
+          <a:noFill/>
+        </p:spPr>
+        <p:txBody>
+          <a:bodyPr wrap="none" rtlCol="0">
+            <a:spAutoFit/>
+          </a:bodyPr>
+          <a:lstStyle/>
+          <a:p>
+            <a:r>
+              <a:rPr lang="en-US" dirty="0" err="1"/>
+              <a:t>ibm.damiler.rudolf</a:t>
+            </a:r>
+            <a:r>
+              <a:rPr lang="en-US" dirty="0"/>
+              <a:t>-diesel:</a:t>
+            </a:r>
+          </a:p>
+          <a:p>
+            <a:r>
+              <a:rPr lang="en-US" sz="1400" b="1" dirty="0"/>
+              <a:t>KYSTAL(</a:t>
+            </a:r>
+            <a:r>
+              <a:rPr lang="en-US" sz="1400" b="1" dirty="0" err="1"/>
+              <a:t>nonPoliceStudent.nonPoliePentagon.nonPolzieKalrrueh.BASE</a:t>
+            </a:r>
+            <a:r>
+              <a:rPr lang="en-US" sz="1400" b="1" dirty="0"/>
+              <a:t>)</a:t>
+            </a:r>
+          </a:p>
+        </p:txBody>
+      </p:sp>
+    </p:spTree>
+    <p:extLst>
+      <p:ext uri="{BB962C8B-B14F-4D97-AF65-F5344CB8AC3E}">
+        <p14:creationId xmlns:p14="http://schemas.microsoft.com/office/powerpoint/2010/main" val="1650274384"/>
       </p:ext>
     </p:extLst>
   </p:cSld>

--- a/webservice/ibm/office/powerpoint/02-15-2023-nonPoliceDEA.pptx
+++ b/webservice/ibm/office/powerpoint/02-15-2023-nonPoliceDEA.pptx
@@ -12,6 +12,8 @@
     <p:sldId id="261" r:id="rId6"/>
     <p:sldId id="260" r:id="rId7"/>
     <p:sldId id="262" r:id="rId8"/>
+    <p:sldId id="263" r:id="rId9"/>
+    <p:sldId id="264" r:id="rId10"/>
   </p:sldIdLst>
   <p:sldSz cx="12192000" cy="6858000"/>
   <p:notesSz cx="6858000" cy="9144000"/>
@@ -7636,10 +7638,2325 @@
           </a:p>
         </p:txBody>
       </p:sp>
+      <p:pic>
+        <p:nvPicPr>
+          <p:cNvPr id="5" name="Picture 4">
+            <a:extLst>
+              <a:ext uri="{FF2B5EF4-FFF2-40B4-BE49-F238E27FC236}">
+                <a16:creationId xmlns:a16="http://schemas.microsoft.com/office/drawing/2014/main" id="{C23713D6-2F33-4255-A832-9D12D324ACDB}"/>
+              </a:ext>
+            </a:extLst>
+          </p:cNvPr>
+          <p:cNvPicPr>
+            <a:picLocks noChangeAspect="1"/>
+          </p:cNvPicPr>
+          <p:nvPr/>
+        </p:nvPicPr>
+        <p:blipFill>
+          <a:blip r:embed="rId2">
+            <a:extLst>
+              <a:ext uri="{28A0092B-C50C-407E-A947-70E740481C1C}">
+                <a14:useLocalDpi xmlns:a14="http://schemas.microsoft.com/office/drawing/2010/main" val="0"/>
+              </a:ext>
+            </a:extLst>
+          </a:blip>
+          <a:stretch>
+            <a:fillRect/>
+          </a:stretch>
+        </p:blipFill>
+        <p:spPr>
+          <a:xfrm>
+            <a:off x="9124331" y="1032668"/>
+            <a:ext cx="952500" cy="952500"/>
+          </a:xfrm>
+          <a:prstGeom prst="rect">
+            <a:avLst/>
+          </a:prstGeom>
+        </p:spPr>
+      </p:pic>
+      <p:pic>
+        <p:nvPicPr>
+          <p:cNvPr id="18" name="Picture 17">
+            <a:extLst>
+              <a:ext uri="{FF2B5EF4-FFF2-40B4-BE49-F238E27FC236}">
+                <a16:creationId xmlns:a16="http://schemas.microsoft.com/office/drawing/2014/main" id="{B9096B8A-C914-4BC2-BA7D-B3976EBFD71A}"/>
+              </a:ext>
+            </a:extLst>
+          </p:cNvPr>
+          <p:cNvPicPr>
+            <a:picLocks noChangeAspect="1"/>
+          </p:cNvPicPr>
+          <p:nvPr/>
+        </p:nvPicPr>
+        <p:blipFill>
+          <a:blip r:embed="rId2">
+            <a:extLst>
+              <a:ext uri="{28A0092B-C50C-407E-A947-70E740481C1C}">
+                <a14:useLocalDpi xmlns:a14="http://schemas.microsoft.com/office/drawing/2010/main" val="0"/>
+              </a:ext>
+            </a:extLst>
+          </a:blip>
+          <a:stretch>
+            <a:fillRect/>
+          </a:stretch>
+        </p:blipFill>
+        <p:spPr>
+          <a:xfrm>
+            <a:off x="8465522" y="4816551"/>
+            <a:ext cx="952500" cy="952500"/>
+          </a:xfrm>
+          <a:prstGeom prst="rect">
+            <a:avLst/>
+          </a:prstGeom>
+        </p:spPr>
+      </p:pic>
+      <p:pic>
+        <p:nvPicPr>
+          <p:cNvPr id="19" name="Picture 18">
+            <a:extLst>
+              <a:ext uri="{FF2B5EF4-FFF2-40B4-BE49-F238E27FC236}">
+                <a16:creationId xmlns:a16="http://schemas.microsoft.com/office/drawing/2014/main" id="{6DC54EB3-E96F-4A2F-9D29-96BEF9B47BDF}"/>
+              </a:ext>
+            </a:extLst>
+          </p:cNvPr>
+          <p:cNvPicPr>
+            <a:picLocks noChangeAspect="1"/>
+          </p:cNvPicPr>
+          <p:nvPr/>
+        </p:nvPicPr>
+        <p:blipFill>
+          <a:blip r:embed="rId3">
+            <a:extLst>
+              <a:ext uri="{28A0092B-C50C-407E-A947-70E740481C1C}">
+                <a14:useLocalDpi xmlns:a14="http://schemas.microsoft.com/office/drawing/2010/main" val="0"/>
+              </a:ext>
+            </a:extLst>
+          </a:blip>
+          <a:stretch>
+            <a:fillRect/>
+          </a:stretch>
+        </p:blipFill>
+        <p:spPr>
+          <a:xfrm>
+            <a:off x="1351783" y="1508918"/>
+            <a:ext cx="1833564" cy="1833564"/>
+          </a:xfrm>
+          <a:prstGeom prst="rect">
+            <a:avLst/>
+          </a:prstGeom>
+        </p:spPr>
+      </p:pic>
+      <p:pic>
+        <p:nvPicPr>
+          <p:cNvPr id="22" name="Picture 21">
+            <a:extLst>
+              <a:ext uri="{FF2B5EF4-FFF2-40B4-BE49-F238E27FC236}">
+                <a16:creationId xmlns:a16="http://schemas.microsoft.com/office/drawing/2014/main" id="{DB80920C-242E-4A85-8D7D-08FF1D12BC64}"/>
+              </a:ext>
+            </a:extLst>
+          </p:cNvPr>
+          <p:cNvPicPr>
+            <a:picLocks noChangeAspect="1"/>
+          </p:cNvPicPr>
+          <p:nvPr/>
+        </p:nvPicPr>
+        <p:blipFill>
+          <a:blip r:embed="rId4"/>
+          <a:stretch>
+            <a:fillRect/>
+          </a:stretch>
+        </p:blipFill>
+        <p:spPr>
+          <a:xfrm>
+            <a:off x="8264265" y="2076450"/>
+            <a:ext cx="1720133" cy="1720133"/>
+          </a:xfrm>
+          <a:prstGeom prst="rect">
+            <a:avLst/>
+          </a:prstGeom>
+        </p:spPr>
+      </p:pic>
+      <p:pic>
+        <p:nvPicPr>
+          <p:cNvPr id="28" name="Picture 27">
+            <a:extLst>
+              <a:ext uri="{FF2B5EF4-FFF2-40B4-BE49-F238E27FC236}">
+                <a16:creationId xmlns:a16="http://schemas.microsoft.com/office/drawing/2014/main" id="{F1592EC7-C4A9-413C-89E6-58B257AD0D2B}"/>
+              </a:ext>
+            </a:extLst>
+          </p:cNvPr>
+          <p:cNvPicPr>
+            <a:picLocks noChangeAspect="1"/>
+          </p:cNvPicPr>
+          <p:nvPr/>
+        </p:nvPicPr>
+        <p:blipFill>
+          <a:blip r:embed="rId2">
+            <a:extLst>
+              <a:ext uri="{28A0092B-C50C-407E-A947-70E740481C1C}">
+                <a14:useLocalDpi xmlns:a14="http://schemas.microsoft.com/office/drawing/2010/main" val="0"/>
+              </a:ext>
+            </a:extLst>
+          </a:blip>
+          <a:stretch>
+            <a:fillRect/>
+          </a:stretch>
+        </p:blipFill>
+        <p:spPr>
+          <a:xfrm>
+            <a:off x="10254631" y="1032668"/>
+            <a:ext cx="952500" cy="952500"/>
+          </a:xfrm>
+          <a:prstGeom prst="rect">
+            <a:avLst/>
+          </a:prstGeom>
+        </p:spPr>
+      </p:pic>
+      <p:pic>
+        <p:nvPicPr>
+          <p:cNvPr id="29" name="Picture 28">
+            <a:extLst>
+              <a:ext uri="{FF2B5EF4-FFF2-40B4-BE49-F238E27FC236}">
+                <a16:creationId xmlns:a16="http://schemas.microsoft.com/office/drawing/2014/main" id="{9A82B37C-2CD8-4D3E-B396-DEFA1F480475}"/>
+              </a:ext>
+            </a:extLst>
+          </p:cNvPr>
+          <p:cNvPicPr>
+            <a:picLocks noChangeAspect="1"/>
+          </p:cNvPicPr>
+          <p:nvPr/>
+        </p:nvPicPr>
+        <p:blipFill>
+          <a:blip r:embed="rId2">
+            <a:extLst>
+              <a:ext uri="{28A0092B-C50C-407E-A947-70E740481C1C}">
+                <a14:useLocalDpi xmlns:a14="http://schemas.microsoft.com/office/drawing/2010/main" val="0"/>
+              </a:ext>
+            </a:extLst>
+          </a:blip>
+          <a:stretch>
+            <a:fillRect/>
+          </a:stretch>
+        </p:blipFill>
+        <p:spPr>
+          <a:xfrm>
+            <a:off x="11239500" y="1032668"/>
+            <a:ext cx="952500" cy="952500"/>
+          </a:xfrm>
+          <a:prstGeom prst="rect">
+            <a:avLst/>
+          </a:prstGeom>
+        </p:spPr>
+      </p:pic>
+      <p:sp>
+        <p:nvSpPr>
+          <p:cNvPr id="6" name="TextBox 5">
+            <a:extLst>
+              <a:ext uri="{FF2B5EF4-FFF2-40B4-BE49-F238E27FC236}">
+                <a16:creationId xmlns:a16="http://schemas.microsoft.com/office/drawing/2014/main" id="{CD5910B0-A797-480F-9F60-7D2D6528FF74}"/>
+              </a:ext>
+            </a:extLst>
+          </p:cNvPr>
+          <p:cNvSpPr txBox="1"/>
+          <p:nvPr/>
+        </p:nvSpPr>
+        <p:spPr>
+          <a:xfrm>
+            <a:off x="10254631" y="571500"/>
+            <a:ext cx="739370" cy="369332"/>
+          </a:xfrm>
+          <a:prstGeom prst="rect">
+            <a:avLst/>
+          </a:prstGeom>
+          <a:noFill/>
+        </p:spPr>
+        <p:txBody>
+          <a:bodyPr wrap="none" rtlCol="0">
+            <a:spAutoFit/>
+          </a:bodyPr>
+          <a:lstStyle/>
+          <a:p>
+            <a:r>
+              <a:rPr lang="en-US" dirty="0"/>
+              <a:t>Braun</a:t>
+            </a:r>
+          </a:p>
+        </p:txBody>
+      </p:sp>
+      <p:sp>
+        <p:nvSpPr>
+          <p:cNvPr id="8" name="TextBox 7">
+            <a:extLst>
+              <a:ext uri="{FF2B5EF4-FFF2-40B4-BE49-F238E27FC236}">
+                <a16:creationId xmlns:a16="http://schemas.microsoft.com/office/drawing/2014/main" id="{06E71F2C-8C2E-4573-BB82-C7180FCB30B1}"/>
+              </a:ext>
+            </a:extLst>
+          </p:cNvPr>
+          <p:cNvSpPr txBox="1"/>
+          <p:nvPr/>
+        </p:nvSpPr>
+        <p:spPr>
+          <a:xfrm>
+            <a:off x="4775526" y="756166"/>
+            <a:ext cx="1591461" cy="369332"/>
+          </a:xfrm>
+          <a:prstGeom prst="rect">
+            <a:avLst/>
+          </a:prstGeom>
+          <a:noFill/>
+        </p:spPr>
+        <p:txBody>
+          <a:bodyPr wrap="none" rtlCol="0">
+            <a:spAutoFit/>
+          </a:bodyPr>
+          <a:lstStyle/>
+          <a:p>
+            <a:r>
+              <a:rPr lang="en-US" dirty="0"/>
+              <a:t>FEDERAL BANK</a:t>
+            </a:r>
+          </a:p>
+        </p:txBody>
+      </p:sp>
+      <p:cxnSp>
+        <p:nvCxnSpPr>
+          <p:cNvPr id="16" name="Straight Connector 15">
+            <a:extLst>
+              <a:ext uri="{FF2B5EF4-FFF2-40B4-BE49-F238E27FC236}">
+                <a16:creationId xmlns:a16="http://schemas.microsoft.com/office/drawing/2014/main" id="{6B792DDF-8074-4F30-9BBB-B0AF22B242B7}"/>
+              </a:ext>
+            </a:extLst>
+          </p:cNvPr>
+          <p:cNvCxnSpPr/>
+          <p:nvPr/>
+        </p:nvCxnSpPr>
+        <p:spPr>
+          <a:xfrm flipV="1">
+            <a:off x="9600581" y="2331641"/>
+            <a:ext cx="902319" cy="255191"/>
+          </a:xfrm>
+          <a:prstGeom prst="line">
+            <a:avLst/>
+          </a:prstGeom>
+        </p:spPr>
+        <p:style>
+          <a:lnRef idx="1">
+            <a:schemeClr val="accent1"/>
+          </a:lnRef>
+          <a:fillRef idx="0">
+            <a:schemeClr val="accent1"/>
+          </a:fillRef>
+          <a:effectRef idx="0">
+            <a:schemeClr val="accent1"/>
+          </a:effectRef>
+          <a:fontRef idx="minor">
+            <a:schemeClr val="tx1"/>
+          </a:fontRef>
+        </p:style>
+      </p:cxnSp>
+      <p:pic>
+        <p:nvPicPr>
+          <p:cNvPr id="32" name="Picture 31">
+            <a:extLst>
+              <a:ext uri="{FF2B5EF4-FFF2-40B4-BE49-F238E27FC236}">
+                <a16:creationId xmlns:a16="http://schemas.microsoft.com/office/drawing/2014/main" id="{72757D0E-C4A3-4F3C-9FC7-B475252FE717}"/>
+              </a:ext>
+            </a:extLst>
+          </p:cNvPr>
+          <p:cNvPicPr>
+            <a:picLocks noChangeAspect="1"/>
+          </p:cNvPicPr>
+          <p:nvPr/>
+        </p:nvPicPr>
+        <p:blipFill>
+          <a:blip r:embed="rId5">
+            <a:extLst>
+              <a:ext uri="{28A0092B-C50C-407E-A947-70E740481C1C}">
+                <a14:useLocalDpi xmlns:a14="http://schemas.microsoft.com/office/drawing/2010/main" val="0"/>
+              </a:ext>
+            </a:extLst>
+          </a:blip>
+          <a:stretch>
+            <a:fillRect/>
+          </a:stretch>
+        </p:blipFill>
+        <p:spPr>
+          <a:xfrm>
+            <a:off x="4690459" y="3796583"/>
+            <a:ext cx="2143125" cy="2143125"/>
+          </a:xfrm>
+          <a:prstGeom prst="rect">
+            <a:avLst/>
+          </a:prstGeom>
+        </p:spPr>
+      </p:pic>
+      <p:cxnSp>
+        <p:nvCxnSpPr>
+          <p:cNvPr id="34" name="Straight Connector 33">
+            <a:extLst>
+              <a:ext uri="{FF2B5EF4-FFF2-40B4-BE49-F238E27FC236}">
+                <a16:creationId xmlns:a16="http://schemas.microsoft.com/office/drawing/2014/main" id="{996F3C45-A05B-40E7-898D-81B34CBA0E48}"/>
+              </a:ext>
+            </a:extLst>
+          </p:cNvPr>
+          <p:cNvCxnSpPr>
+            <a:cxnSpLocks/>
+          </p:cNvCxnSpPr>
+          <p:nvPr/>
+        </p:nvCxnSpPr>
+        <p:spPr>
+          <a:xfrm>
+            <a:off x="7072674" y="4559300"/>
+            <a:ext cx="4643076" cy="0"/>
+          </a:xfrm>
+          <a:prstGeom prst="line">
+            <a:avLst/>
+          </a:prstGeom>
+        </p:spPr>
+        <p:style>
+          <a:lnRef idx="1">
+            <a:schemeClr val="accent1"/>
+          </a:lnRef>
+          <a:fillRef idx="0">
+            <a:schemeClr val="accent1"/>
+          </a:fillRef>
+          <a:effectRef idx="0">
+            <a:schemeClr val="accent1"/>
+          </a:effectRef>
+          <a:fontRef idx="minor">
+            <a:schemeClr val="tx1"/>
+          </a:fontRef>
+        </p:style>
+      </p:cxnSp>
+      <p:pic>
+        <p:nvPicPr>
+          <p:cNvPr id="38" name="Picture 37">
+            <a:extLst>
+              <a:ext uri="{FF2B5EF4-FFF2-40B4-BE49-F238E27FC236}">
+                <a16:creationId xmlns:a16="http://schemas.microsoft.com/office/drawing/2014/main" id="{16F84CDC-0CBC-475E-83E0-29AFCEAC5568}"/>
+              </a:ext>
+            </a:extLst>
+          </p:cNvPr>
+          <p:cNvPicPr>
+            <a:picLocks noChangeAspect="1"/>
+          </p:cNvPicPr>
+          <p:nvPr/>
+        </p:nvPicPr>
+        <p:blipFill>
+          <a:blip r:embed="rId6"/>
+          <a:stretch>
+            <a:fillRect/>
+          </a:stretch>
+        </p:blipFill>
+        <p:spPr>
+          <a:xfrm>
+            <a:off x="5571257" y="4341535"/>
+            <a:ext cx="685448" cy="746832"/>
+          </a:xfrm>
+          <a:prstGeom prst="rect">
+            <a:avLst/>
+          </a:prstGeom>
+        </p:spPr>
+      </p:pic>
+      <p:pic>
+        <p:nvPicPr>
+          <p:cNvPr id="39" name="Picture 38">
+            <a:extLst>
+              <a:ext uri="{FF2B5EF4-FFF2-40B4-BE49-F238E27FC236}">
+                <a16:creationId xmlns:a16="http://schemas.microsoft.com/office/drawing/2014/main" id="{BAA73D69-0BC5-4AEB-80EB-4185E7703AF6}"/>
+              </a:ext>
+            </a:extLst>
+          </p:cNvPr>
+          <p:cNvPicPr>
+            <a:picLocks noChangeAspect="1"/>
+          </p:cNvPicPr>
+          <p:nvPr/>
+        </p:nvPicPr>
+        <p:blipFill>
+          <a:blip r:embed="rId7"/>
+          <a:stretch>
+            <a:fillRect/>
+          </a:stretch>
+        </p:blipFill>
+        <p:spPr>
+          <a:xfrm>
+            <a:off x="3138545" y="2599532"/>
+            <a:ext cx="285714" cy="266667"/>
+          </a:xfrm>
+          <a:prstGeom prst="rect">
+            <a:avLst/>
+          </a:prstGeom>
+        </p:spPr>
+      </p:pic>
+      <p:pic>
+        <p:nvPicPr>
+          <p:cNvPr id="40" name="Picture 39">
+            <a:extLst>
+              <a:ext uri="{FF2B5EF4-FFF2-40B4-BE49-F238E27FC236}">
+                <a16:creationId xmlns:a16="http://schemas.microsoft.com/office/drawing/2014/main" id="{B087B3F2-77AB-4819-8A37-3314C827C21E}"/>
+              </a:ext>
+            </a:extLst>
+          </p:cNvPr>
+          <p:cNvPicPr>
+            <a:picLocks noChangeAspect="1"/>
+          </p:cNvPicPr>
+          <p:nvPr/>
+        </p:nvPicPr>
+        <p:blipFill>
+          <a:blip r:embed="rId7"/>
+          <a:stretch>
+            <a:fillRect/>
+          </a:stretch>
+        </p:blipFill>
+        <p:spPr>
+          <a:xfrm>
+            <a:off x="10624316" y="2094564"/>
+            <a:ext cx="285714" cy="266667"/>
+          </a:xfrm>
+          <a:prstGeom prst="rect">
+            <a:avLst/>
+          </a:prstGeom>
+        </p:spPr>
+      </p:pic>
+      <p:pic>
+        <p:nvPicPr>
+          <p:cNvPr id="41" name="Picture 40">
+            <a:extLst>
+              <a:ext uri="{FF2B5EF4-FFF2-40B4-BE49-F238E27FC236}">
+                <a16:creationId xmlns:a16="http://schemas.microsoft.com/office/drawing/2014/main" id="{926D4963-5306-4669-8C7C-7FCFFE85FA88}"/>
+              </a:ext>
+            </a:extLst>
+          </p:cNvPr>
+          <p:cNvPicPr>
+            <a:picLocks noChangeAspect="1"/>
+          </p:cNvPicPr>
+          <p:nvPr/>
+        </p:nvPicPr>
+        <p:blipFill>
+          <a:blip r:embed="rId7"/>
+          <a:stretch>
+            <a:fillRect/>
+          </a:stretch>
+        </p:blipFill>
+        <p:spPr>
+          <a:xfrm>
+            <a:off x="5953143" y="3295666"/>
+            <a:ext cx="285714" cy="266667"/>
+          </a:xfrm>
+          <a:prstGeom prst="rect">
+            <a:avLst/>
+          </a:prstGeom>
+        </p:spPr>
+      </p:pic>
     </p:spTree>
     <p:extLst>
       <p:ext uri="{BB962C8B-B14F-4D97-AF65-F5344CB8AC3E}">
         <p14:creationId xmlns:p14="http://schemas.microsoft.com/office/powerpoint/2010/main" val="1650274384"/>
+      </p:ext>
+    </p:extLst>
+  </p:cSld>
+  <p:clrMapOvr>
+    <a:masterClrMapping/>
+  </p:clrMapOvr>
+</p:sld>
+</file>
+
+<file path=ppt/slides/slide8.xml><?xml version="1.0" encoding="utf-8"?>
+<p:sld xmlns:a="http://schemas.openxmlformats.org/drawingml/2006/main" xmlns:r="http://schemas.openxmlformats.org/officeDocument/2006/relationships" xmlns:p="http://schemas.openxmlformats.org/presentationml/2006/main">
+  <p:cSld>
+    <p:spTree>
+      <p:nvGrpSpPr>
+        <p:cNvPr id="1" name=""/>
+        <p:cNvGrpSpPr/>
+        <p:nvPr/>
+      </p:nvGrpSpPr>
+      <p:grpSpPr>
+        <a:xfrm>
+          <a:off x="0" y="0"/>
+          <a:ext cx="0" cy="0"/>
+          <a:chOff x="0" y="0"/>
+          <a:chExt cx="0" cy="0"/>
+        </a:xfrm>
+      </p:grpSpPr>
+      <p:sp>
+        <p:nvSpPr>
+          <p:cNvPr id="27" name="TextBox 26">
+            <a:extLst>
+              <a:ext uri="{FF2B5EF4-FFF2-40B4-BE49-F238E27FC236}">
+                <a16:creationId xmlns:a16="http://schemas.microsoft.com/office/drawing/2014/main" id="{AE21D03D-4D68-41E7-BB3B-7981E60FD0D3}"/>
+              </a:ext>
+            </a:extLst>
+          </p:cNvPr>
+          <p:cNvSpPr txBox="1"/>
+          <p:nvPr/>
+        </p:nvSpPr>
+        <p:spPr>
+          <a:xfrm>
+            <a:off x="120997" y="82577"/>
+            <a:ext cx="5400068" cy="584775"/>
+          </a:xfrm>
+          <a:prstGeom prst="rect">
+            <a:avLst/>
+          </a:prstGeom>
+          <a:noFill/>
+        </p:spPr>
+        <p:txBody>
+          <a:bodyPr wrap="none" rtlCol="0">
+            <a:spAutoFit/>
+          </a:bodyPr>
+          <a:lstStyle/>
+          <a:p>
+            <a:r>
+              <a:rPr lang="en-US" dirty="0" err="1"/>
+              <a:t>ibm.damiler.rudolf</a:t>
+            </a:r>
+            <a:r>
+              <a:rPr lang="en-US" dirty="0"/>
+              <a:t>-diesel:</a:t>
+            </a:r>
+          </a:p>
+          <a:p>
+            <a:r>
+              <a:rPr lang="en-US" sz="1400" b="1" dirty="0"/>
+              <a:t>KYSTAL(</a:t>
+            </a:r>
+            <a:r>
+              <a:rPr lang="en-US" sz="1400" b="1" dirty="0" err="1"/>
+              <a:t>nonPoliceStudent.nonPoliePentagon.nonPolzieKalrrueh.BASE</a:t>
+            </a:r>
+            <a:r>
+              <a:rPr lang="en-US" sz="1400" b="1" dirty="0"/>
+              <a:t>)</a:t>
+            </a:r>
+          </a:p>
+        </p:txBody>
+      </p:sp>
+      <p:pic>
+        <p:nvPicPr>
+          <p:cNvPr id="5" name="Picture 4">
+            <a:extLst>
+              <a:ext uri="{FF2B5EF4-FFF2-40B4-BE49-F238E27FC236}">
+                <a16:creationId xmlns:a16="http://schemas.microsoft.com/office/drawing/2014/main" id="{C23713D6-2F33-4255-A832-9D12D324ACDB}"/>
+              </a:ext>
+            </a:extLst>
+          </p:cNvPr>
+          <p:cNvPicPr>
+            <a:picLocks noChangeAspect="1"/>
+          </p:cNvPicPr>
+          <p:nvPr/>
+        </p:nvPicPr>
+        <p:blipFill>
+          <a:blip r:embed="rId2">
+            <a:extLst>
+              <a:ext uri="{28A0092B-C50C-407E-A947-70E740481C1C}">
+                <a14:useLocalDpi xmlns:a14="http://schemas.microsoft.com/office/drawing/2010/main" val="0"/>
+              </a:ext>
+            </a:extLst>
+          </a:blip>
+          <a:stretch>
+            <a:fillRect/>
+          </a:stretch>
+        </p:blipFill>
+        <p:spPr>
+          <a:xfrm>
+            <a:off x="9124331" y="1032668"/>
+            <a:ext cx="952500" cy="952500"/>
+          </a:xfrm>
+          <a:prstGeom prst="rect">
+            <a:avLst/>
+          </a:prstGeom>
+        </p:spPr>
+      </p:pic>
+      <p:pic>
+        <p:nvPicPr>
+          <p:cNvPr id="18" name="Picture 17">
+            <a:extLst>
+              <a:ext uri="{FF2B5EF4-FFF2-40B4-BE49-F238E27FC236}">
+                <a16:creationId xmlns:a16="http://schemas.microsoft.com/office/drawing/2014/main" id="{B9096B8A-C914-4BC2-BA7D-B3976EBFD71A}"/>
+              </a:ext>
+            </a:extLst>
+          </p:cNvPr>
+          <p:cNvPicPr>
+            <a:picLocks noChangeAspect="1"/>
+          </p:cNvPicPr>
+          <p:nvPr/>
+        </p:nvPicPr>
+        <p:blipFill>
+          <a:blip r:embed="rId2">
+            <a:extLst>
+              <a:ext uri="{28A0092B-C50C-407E-A947-70E740481C1C}">
+                <a14:useLocalDpi xmlns:a14="http://schemas.microsoft.com/office/drawing/2010/main" val="0"/>
+              </a:ext>
+            </a:extLst>
+          </a:blip>
+          <a:stretch>
+            <a:fillRect/>
+          </a:stretch>
+        </p:blipFill>
+        <p:spPr>
+          <a:xfrm>
+            <a:off x="8465522" y="4816551"/>
+            <a:ext cx="952500" cy="952500"/>
+          </a:xfrm>
+          <a:prstGeom prst="rect">
+            <a:avLst/>
+          </a:prstGeom>
+        </p:spPr>
+      </p:pic>
+      <p:pic>
+        <p:nvPicPr>
+          <p:cNvPr id="19" name="Picture 18">
+            <a:extLst>
+              <a:ext uri="{FF2B5EF4-FFF2-40B4-BE49-F238E27FC236}">
+                <a16:creationId xmlns:a16="http://schemas.microsoft.com/office/drawing/2014/main" id="{6DC54EB3-E96F-4A2F-9D29-96BEF9B47BDF}"/>
+              </a:ext>
+            </a:extLst>
+          </p:cNvPr>
+          <p:cNvPicPr>
+            <a:picLocks noChangeAspect="1"/>
+          </p:cNvPicPr>
+          <p:nvPr/>
+        </p:nvPicPr>
+        <p:blipFill>
+          <a:blip r:embed="rId3">
+            <a:extLst>
+              <a:ext uri="{28A0092B-C50C-407E-A947-70E740481C1C}">
+                <a14:useLocalDpi xmlns:a14="http://schemas.microsoft.com/office/drawing/2010/main" val="0"/>
+              </a:ext>
+            </a:extLst>
+          </a:blip>
+          <a:stretch>
+            <a:fillRect/>
+          </a:stretch>
+        </p:blipFill>
+        <p:spPr>
+          <a:xfrm>
+            <a:off x="1351783" y="1508918"/>
+            <a:ext cx="1833564" cy="1833564"/>
+          </a:xfrm>
+          <a:prstGeom prst="rect">
+            <a:avLst/>
+          </a:prstGeom>
+        </p:spPr>
+      </p:pic>
+      <p:pic>
+        <p:nvPicPr>
+          <p:cNvPr id="22" name="Picture 21">
+            <a:extLst>
+              <a:ext uri="{FF2B5EF4-FFF2-40B4-BE49-F238E27FC236}">
+                <a16:creationId xmlns:a16="http://schemas.microsoft.com/office/drawing/2014/main" id="{DB80920C-242E-4A85-8D7D-08FF1D12BC64}"/>
+              </a:ext>
+            </a:extLst>
+          </p:cNvPr>
+          <p:cNvPicPr>
+            <a:picLocks noChangeAspect="1"/>
+          </p:cNvPicPr>
+          <p:nvPr/>
+        </p:nvPicPr>
+        <p:blipFill>
+          <a:blip r:embed="rId4"/>
+          <a:stretch>
+            <a:fillRect/>
+          </a:stretch>
+        </p:blipFill>
+        <p:spPr>
+          <a:xfrm>
+            <a:off x="8264265" y="2076450"/>
+            <a:ext cx="1720133" cy="1720133"/>
+          </a:xfrm>
+          <a:prstGeom prst="rect">
+            <a:avLst/>
+          </a:prstGeom>
+        </p:spPr>
+      </p:pic>
+      <p:pic>
+        <p:nvPicPr>
+          <p:cNvPr id="28" name="Picture 27">
+            <a:extLst>
+              <a:ext uri="{FF2B5EF4-FFF2-40B4-BE49-F238E27FC236}">
+                <a16:creationId xmlns:a16="http://schemas.microsoft.com/office/drawing/2014/main" id="{F1592EC7-C4A9-413C-89E6-58B257AD0D2B}"/>
+              </a:ext>
+            </a:extLst>
+          </p:cNvPr>
+          <p:cNvPicPr>
+            <a:picLocks noChangeAspect="1"/>
+          </p:cNvPicPr>
+          <p:nvPr/>
+        </p:nvPicPr>
+        <p:blipFill>
+          <a:blip r:embed="rId2">
+            <a:extLst>
+              <a:ext uri="{28A0092B-C50C-407E-A947-70E740481C1C}">
+                <a14:useLocalDpi xmlns:a14="http://schemas.microsoft.com/office/drawing/2010/main" val="0"/>
+              </a:ext>
+            </a:extLst>
+          </a:blip>
+          <a:stretch>
+            <a:fillRect/>
+          </a:stretch>
+        </p:blipFill>
+        <p:spPr>
+          <a:xfrm>
+            <a:off x="10254631" y="1032668"/>
+            <a:ext cx="952500" cy="952500"/>
+          </a:xfrm>
+          <a:prstGeom prst="rect">
+            <a:avLst/>
+          </a:prstGeom>
+        </p:spPr>
+      </p:pic>
+      <p:pic>
+        <p:nvPicPr>
+          <p:cNvPr id="29" name="Picture 28">
+            <a:extLst>
+              <a:ext uri="{FF2B5EF4-FFF2-40B4-BE49-F238E27FC236}">
+                <a16:creationId xmlns:a16="http://schemas.microsoft.com/office/drawing/2014/main" id="{9A82B37C-2CD8-4D3E-B396-DEFA1F480475}"/>
+              </a:ext>
+            </a:extLst>
+          </p:cNvPr>
+          <p:cNvPicPr>
+            <a:picLocks noChangeAspect="1"/>
+          </p:cNvPicPr>
+          <p:nvPr/>
+        </p:nvPicPr>
+        <p:blipFill>
+          <a:blip r:embed="rId2">
+            <a:extLst>
+              <a:ext uri="{28A0092B-C50C-407E-A947-70E740481C1C}">
+                <a14:useLocalDpi xmlns:a14="http://schemas.microsoft.com/office/drawing/2010/main" val="0"/>
+              </a:ext>
+            </a:extLst>
+          </a:blip>
+          <a:stretch>
+            <a:fillRect/>
+          </a:stretch>
+        </p:blipFill>
+        <p:spPr>
+          <a:xfrm>
+            <a:off x="11239500" y="1032668"/>
+            <a:ext cx="952500" cy="952500"/>
+          </a:xfrm>
+          <a:prstGeom prst="rect">
+            <a:avLst/>
+          </a:prstGeom>
+        </p:spPr>
+      </p:pic>
+      <p:sp>
+        <p:nvSpPr>
+          <p:cNvPr id="6" name="TextBox 5">
+            <a:extLst>
+              <a:ext uri="{FF2B5EF4-FFF2-40B4-BE49-F238E27FC236}">
+                <a16:creationId xmlns:a16="http://schemas.microsoft.com/office/drawing/2014/main" id="{CD5910B0-A797-480F-9F60-7D2D6528FF74}"/>
+              </a:ext>
+            </a:extLst>
+          </p:cNvPr>
+          <p:cNvSpPr txBox="1"/>
+          <p:nvPr/>
+        </p:nvSpPr>
+        <p:spPr>
+          <a:xfrm>
+            <a:off x="10254631" y="571500"/>
+            <a:ext cx="739370" cy="369332"/>
+          </a:xfrm>
+          <a:prstGeom prst="rect">
+            <a:avLst/>
+          </a:prstGeom>
+          <a:noFill/>
+        </p:spPr>
+        <p:txBody>
+          <a:bodyPr wrap="none" rtlCol="0">
+            <a:spAutoFit/>
+          </a:bodyPr>
+          <a:lstStyle/>
+          <a:p>
+            <a:r>
+              <a:rPr lang="en-US" dirty="0"/>
+              <a:t>Braun</a:t>
+            </a:r>
+          </a:p>
+        </p:txBody>
+      </p:sp>
+      <p:sp>
+        <p:nvSpPr>
+          <p:cNvPr id="8" name="TextBox 7">
+            <a:extLst>
+              <a:ext uri="{FF2B5EF4-FFF2-40B4-BE49-F238E27FC236}">
+                <a16:creationId xmlns:a16="http://schemas.microsoft.com/office/drawing/2014/main" id="{06E71F2C-8C2E-4573-BB82-C7180FCB30B1}"/>
+              </a:ext>
+            </a:extLst>
+          </p:cNvPr>
+          <p:cNvSpPr txBox="1"/>
+          <p:nvPr/>
+        </p:nvSpPr>
+        <p:spPr>
+          <a:xfrm>
+            <a:off x="4775526" y="756166"/>
+            <a:ext cx="1591461" cy="369332"/>
+          </a:xfrm>
+          <a:prstGeom prst="rect">
+            <a:avLst/>
+          </a:prstGeom>
+          <a:noFill/>
+        </p:spPr>
+        <p:txBody>
+          <a:bodyPr wrap="none" rtlCol="0">
+            <a:spAutoFit/>
+          </a:bodyPr>
+          <a:lstStyle/>
+          <a:p>
+            <a:r>
+              <a:rPr lang="en-US" dirty="0"/>
+              <a:t>FEDERAL BANK</a:t>
+            </a:r>
+          </a:p>
+        </p:txBody>
+      </p:sp>
+      <p:cxnSp>
+        <p:nvCxnSpPr>
+          <p:cNvPr id="16" name="Straight Connector 15">
+            <a:extLst>
+              <a:ext uri="{FF2B5EF4-FFF2-40B4-BE49-F238E27FC236}">
+                <a16:creationId xmlns:a16="http://schemas.microsoft.com/office/drawing/2014/main" id="{6B792DDF-8074-4F30-9BBB-B0AF22B242B7}"/>
+              </a:ext>
+            </a:extLst>
+          </p:cNvPr>
+          <p:cNvCxnSpPr/>
+          <p:nvPr/>
+        </p:nvCxnSpPr>
+        <p:spPr>
+          <a:xfrm flipV="1">
+            <a:off x="9600581" y="2331641"/>
+            <a:ext cx="902319" cy="255191"/>
+          </a:xfrm>
+          <a:prstGeom prst="line">
+            <a:avLst/>
+          </a:prstGeom>
+        </p:spPr>
+        <p:style>
+          <a:lnRef idx="1">
+            <a:schemeClr val="accent1"/>
+          </a:lnRef>
+          <a:fillRef idx="0">
+            <a:schemeClr val="accent1"/>
+          </a:fillRef>
+          <a:effectRef idx="0">
+            <a:schemeClr val="accent1"/>
+          </a:effectRef>
+          <a:fontRef idx="minor">
+            <a:schemeClr val="tx1"/>
+          </a:fontRef>
+        </p:style>
+      </p:cxnSp>
+      <p:pic>
+        <p:nvPicPr>
+          <p:cNvPr id="32" name="Picture 31">
+            <a:extLst>
+              <a:ext uri="{FF2B5EF4-FFF2-40B4-BE49-F238E27FC236}">
+                <a16:creationId xmlns:a16="http://schemas.microsoft.com/office/drawing/2014/main" id="{72757D0E-C4A3-4F3C-9FC7-B475252FE717}"/>
+              </a:ext>
+            </a:extLst>
+          </p:cNvPr>
+          <p:cNvPicPr>
+            <a:picLocks noChangeAspect="1"/>
+          </p:cNvPicPr>
+          <p:nvPr/>
+        </p:nvPicPr>
+        <p:blipFill>
+          <a:blip r:embed="rId5">
+            <a:extLst>
+              <a:ext uri="{28A0092B-C50C-407E-A947-70E740481C1C}">
+                <a14:useLocalDpi xmlns:a14="http://schemas.microsoft.com/office/drawing/2010/main" val="0"/>
+              </a:ext>
+            </a:extLst>
+          </a:blip>
+          <a:stretch>
+            <a:fillRect/>
+          </a:stretch>
+        </p:blipFill>
+        <p:spPr>
+          <a:xfrm>
+            <a:off x="4690459" y="3796583"/>
+            <a:ext cx="2143125" cy="2143125"/>
+          </a:xfrm>
+          <a:prstGeom prst="rect">
+            <a:avLst/>
+          </a:prstGeom>
+        </p:spPr>
+      </p:pic>
+      <p:cxnSp>
+        <p:nvCxnSpPr>
+          <p:cNvPr id="34" name="Straight Connector 33">
+            <a:extLst>
+              <a:ext uri="{FF2B5EF4-FFF2-40B4-BE49-F238E27FC236}">
+                <a16:creationId xmlns:a16="http://schemas.microsoft.com/office/drawing/2014/main" id="{996F3C45-A05B-40E7-898D-81B34CBA0E48}"/>
+              </a:ext>
+            </a:extLst>
+          </p:cNvPr>
+          <p:cNvCxnSpPr>
+            <a:cxnSpLocks/>
+          </p:cNvCxnSpPr>
+          <p:nvPr/>
+        </p:nvCxnSpPr>
+        <p:spPr>
+          <a:xfrm>
+            <a:off x="7072674" y="4559300"/>
+            <a:ext cx="4643076" cy="0"/>
+          </a:xfrm>
+          <a:prstGeom prst="line">
+            <a:avLst/>
+          </a:prstGeom>
+        </p:spPr>
+        <p:style>
+          <a:lnRef idx="1">
+            <a:schemeClr val="accent1"/>
+          </a:lnRef>
+          <a:fillRef idx="0">
+            <a:schemeClr val="accent1"/>
+          </a:fillRef>
+          <a:effectRef idx="0">
+            <a:schemeClr val="accent1"/>
+          </a:effectRef>
+          <a:fontRef idx="minor">
+            <a:schemeClr val="tx1"/>
+          </a:fontRef>
+        </p:style>
+      </p:cxnSp>
+      <p:pic>
+        <p:nvPicPr>
+          <p:cNvPr id="38" name="Picture 37">
+            <a:extLst>
+              <a:ext uri="{FF2B5EF4-FFF2-40B4-BE49-F238E27FC236}">
+                <a16:creationId xmlns:a16="http://schemas.microsoft.com/office/drawing/2014/main" id="{16F84CDC-0CBC-475E-83E0-29AFCEAC5568}"/>
+              </a:ext>
+            </a:extLst>
+          </p:cNvPr>
+          <p:cNvPicPr>
+            <a:picLocks noChangeAspect="1"/>
+          </p:cNvPicPr>
+          <p:nvPr/>
+        </p:nvPicPr>
+        <p:blipFill>
+          <a:blip r:embed="rId6"/>
+          <a:stretch>
+            <a:fillRect/>
+          </a:stretch>
+        </p:blipFill>
+        <p:spPr>
+          <a:xfrm>
+            <a:off x="5571257" y="4341535"/>
+            <a:ext cx="685448" cy="746832"/>
+          </a:xfrm>
+          <a:prstGeom prst="rect">
+            <a:avLst/>
+          </a:prstGeom>
+        </p:spPr>
+      </p:pic>
+      <p:pic>
+        <p:nvPicPr>
+          <p:cNvPr id="39" name="Picture 38">
+            <a:extLst>
+              <a:ext uri="{FF2B5EF4-FFF2-40B4-BE49-F238E27FC236}">
+                <a16:creationId xmlns:a16="http://schemas.microsoft.com/office/drawing/2014/main" id="{BAA73D69-0BC5-4AEB-80EB-4185E7703AF6}"/>
+              </a:ext>
+            </a:extLst>
+          </p:cNvPr>
+          <p:cNvPicPr>
+            <a:picLocks noChangeAspect="1"/>
+          </p:cNvPicPr>
+          <p:nvPr/>
+        </p:nvPicPr>
+        <p:blipFill>
+          <a:blip r:embed="rId7"/>
+          <a:stretch>
+            <a:fillRect/>
+          </a:stretch>
+        </p:blipFill>
+        <p:spPr>
+          <a:xfrm>
+            <a:off x="3138545" y="2599532"/>
+            <a:ext cx="285714" cy="266667"/>
+          </a:xfrm>
+          <a:prstGeom prst="rect">
+            <a:avLst/>
+          </a:prstGeom>
+        </p:spPr>
+      </p:pic>
+      <p:pic>
+        <p:nvPicPr>
+          <p:cNvPr id="40" name="Picture 39">
+            <a:extLst>
+              <a:ext uri="{FF2B5EF4-FFF2-40B4-BE49-F238E27FC236}">
+                <a16:creationId xmlns:a16="http://schemas.microsoft.com/office/drawing/2014/main" id="{B087B3F2-77AB-4819-8A37-3314C827C21E}"/>
+              </a:ext>
+            </a:extLst>
+          </p:cNvPr>
+          <p:cNvPicPr>
+            <a:picLocks noChangeAspect="1"/>
+          </p:cNvPicPr>
+          <p:nvPr/>
+        </p:nvPicPr>
+        <p:blipFill>
+          <a:blip r:embed="rId7"/>
+          <a:stretch>
+            <a:fillRect/>
+          </a:stretch>
+        </p:blipFill>
+        <p:spPr>
+          <a:xfrm>
+            <a:off x="10624316" y="2094564"/>
+            <a:ext cx="285714" cy="266667"/>
+          </a:xfrm>
+          <a:prstGeom prst="rect">
+            <a:avLst/>
+          </a:prstGeom>
+        </p:spPr>
+      </p:pic>
+      <p:pic>
+        <p:nvPicPr>
+          <p:cNvPr id="41" name="Picture 40">
+            <a:extLst>
+              <a:ext uri="{FF2B5EF4-FFF2-40B4-BE49-F238E27FC236}">
+                <a16:creationId xmlns:a16="http://schemas.microsoft.com/office/drawing/2014/main" id="{926D4963-5306-4669-8C7C-7FCFFE85FA88}"/>
+              </a:ext>
+            </a:extLst>
+          </p:cNvPr>
+          <p:cNvPicPr>
+            <a:picLocks noChangeAspect="1"/>
+          </p:cNvPicPr>
+          <p:nvPr/>
+        </p:nvPicPr>
+        <p:blipFill>
+          <a:blip r:embed="rId7"/>
+          <a:stretch>
+            <a:fillRect/>
+          </a:stretch>
+        </p:blipFill>
+        <p:spPr>
+          <a:xfrm>
+            <a:off x="5953143" y="3295666"/>
+            <a:ext cx="285714" cy="266667"/>
+          </a:xfrm>
+          <a:prstGeom prst="rect">
+            <a:avLst/>
+          </a:prstGeom>
+        </p:spPr>
+      </p:pic>
+    </p:spTree>
+    <p:extLst>
+      <p:ext uri="{BB962C8B-B14F-4D97-AF65-F5344CB8AC3E}">
+        <p14:creationId xmlns:p14="http://schemas.microsoft.com/office/powerpoint/2010/main" val="2112395712"/>
+      </p:ext>
+    </p:extLst>
+  </p:cSld>
+  <p:clrMapOvr>
+    <a:masterClrMapping/>
+  </p:clrMapOvr>
+</p:sld>
+</file>
+
+<file path=ppt/slides/slide9.xml><?xml version="1.0" encoding="utf-8"?>
+<p:sld xmlns:a="http://schemas.openxmlformats.org/drawingml/2006/main" xmlns:r="http://schemas.openxmlformats.org/officeDocument/2006/relationships" xmlns:p="http://schemas.openxmlformats.org/presentationml/2006/main">
+  <p:cSld>
+    <p:spTree>
+      <p:nvGrpSpPr>
+        <p:cNvPr id="1" name=""/>
+        <p:cNvGrpSpPr/>
+        <p:nvPr/>
+      </p:nvGrpSpPr>
+      <p:grpSpPr>
+        <a:xfrm>
+          <a:off x="0" y="0"/>
+          <a:ext cx="0" cy="0"/>
+          <a:chOff x="0" y="0"/>
+          <a:chExt cx="0" cy="0"/>
+        </a:xfrm>
+      </p:grpSpPr>
+      <p:pic>
+        <p:nvPicPr>
+          <p:cNvPr id="11" name="Picture 10">
+            <a:extLst>
+              <a:ext uri="{FF2B5EF4-FFF2-40B4-BE49-F238E27FC236}">
+                <a16:creationId xmlns:a16="http://schemas.microsoft.com/office/drawing/2014/main" id="{DA40BE60-952E-4533-BA98-8658DF84EBF1}"/>
+              </a:ext>
+            </a:extLst>
+          </p:cNvPr>
+          <p:cNvPicPr>
+            <a:picLocks noChangeAspect="1"/>
+          </p:cNvPicPr>
+          <p:nvPr/>
+        </p:nvPicPr>
+        <p:blipFill>
+          <a:blip r:embed="rId2"/>
+          <a:stretch>
+            <a:fillRect/>
+          </a:stretch>
+        </p:blipFill>
+        <p:spPr>
+          <a:xfrm>
+            <a:off x="5138506" y="2044701"/>
+            <a:ext cx="792393" cy="824809"/>
+          </a:xfrm>
+          <a:prstGeom prst="rect">
+            <a:avLst/>
+          </a:prstGeom>
+        </p:spPr>
+      </p:pic>
+      <p:cxnSp>
+        <p:nvCxnSpPr>
+          <p:cNvPr id="3" name="Straight Connector 2">
+            <a:extLst>
+              <a:ext uri="{FF2B5EF4-FFF2-40B4-BE49-F238E27FC236}">
+                <a16:creationId xmlns:a16="http://schemas.microsoft.com/office/drawing/2014/main" id="{6D56FA7A-BC07-464D-84C1-7AEC6BB6ABA2}"/>
+              </a:ext>
+            </a:extLst>
+          </p:cNvPr>
+          <p:cNvCxnSpPr/>
+          <p:nvPr/>
+        </p:nvCxnSpPr>
+        <p:spPr>
+          <a:xfrm>
+            <a:off x="2159000" y="1905000"/>
+            <a:ext cx="9105900" cy="0"/>
+          </a:xfrm>
+          <a:prstGeom prst="line">
+            <a:avLst/>
+          </a:prstGeom>
+        </p:spPr>
+        <p:style>
+          <a:lnRef idx="1">
+            <a:schemeClr val="accent1"/>
+          </a:lnRef>
+          <a:fillRef idx="0">
+            <a:schemeClr val="accent1"/>
+          </a:fillRef>
+          <a:effectRef idx="0">
+            <a:schemeClr val="accent1"/>
+          </a:effectRef>
+          <a:fontRef idx="minor">
+            <a:schemeClr val="tx1"/>
+          </a:fontRef>
+        </p:style>
+      </p:cxnSp>
+      <p:cxnSp>
+        <p:nvCxnSpPr>
+          <p:cNvPr id="5" name="Straight Connector 4">
+            <a:extLst>
+              <a:ext uri="{FF2B5EF4-FFF2-40B4-BE49-F238E27FC236}">
+                <a16:creationId xmlns:a16="http://schemas.microsoft.com/office/drawing/2014/main" id="{3D99D967-830E-43B2-A5DB-FFCFF237687B}"/>
+              </a:ext>
+            </a:extLst>
+          </p:cNvPr>
+          <p:cNvCxnSpPr>
+            <a:cxnSpLocks/>
+          </p:cNvCxnSpPr>
+          <p:nvPr/>
+        </p:nvCxnSpPr>
+        <p:spPr>
+          <a:xfrm>
+            <a:off x="2232109" y="3060700"/>
+            <a:ext cx="9093200" cy="0"/>
+          </a:xfrm>
+          <a:prstGeom prst="line">
+            <a:avLst/>
+          </a:prstGeom>
+        </p:spPr>
+        <p:style>
+          <a:lnRef idx="1">
+            <a:schemeClr val="accent1"/>
+          </a:lnRef>
+          <a:fillRef idx="0">
+            <a:schemeClr val="accent1"/>
+          </a:fillRef>
+          <a:effectRef idx="0">
+            <a:schemeClr val="accent1"/>
+          </a:effectRef>
+          <a:fontRef idx="minor">
+            <a:schemeClr val="tx1"/>
+          </a:fontRef>
+        </p:style>
+      </p:cxnSp>
+      <p:pic>
+        <p:nvPicPr>
+          <p:cNvPr id="21" name="Picture 20">
+            <a:extLst>
+              <a:ext uri="{FF2B5EF4-FFF2-40B4-BE49-F238E27FC236}">
+                <a16:creationId xmlns:a16="http://schemas.microsoft.com/office/drawing/2014/main" id="{F8EC7BD7-EEC2-470E-AC79-57136DFA85AF}"/>
+              </a:ext>
+            </a:extLst>
+          </p:cNvPr>
+          <p:cNvPicPr>
+            <a:picLocks noChangeAspect="1"/>
+          </p:cNvPicPr>
+          <p:nvPr/>
+        </p:nvPicPr>
+        <p:blipFill>
+          <a:blip r:embed="rId3"/>
+          <a:stretch>
+            <a:fillRect/>
+          </a:stretch>
+        </p:blipFill>
+        <p:spPr>
+          <a:xfrm>
+            <a:off x="2053016" y="228734"/>
+            <a:ext cx="969500" cy="1536566"/>
+          </a:xfrm>
+          <a:prstGeom prst="rect">
+            <a:avLst/>
+          </a:prstGeom>
+        </p:spPr>
+      </p:pic>
+      <p:pic>
+        <p:nvPicPr>
+          <p:cNvPr id="1026" name="Picture 2" descr="Police Coffee Character Cartoon Style Royalty Free SVG ...">
+            <a:extLst>
+              <a:ext uri="{FF2B5EF4-FFF2-40B4-BE49-F238E27FC236}">
+                <a16:creationId xmlns:a16="http://schemas.microsoft.com/office/drawing/2014/main" id="{95F97102-989F-4D67-96AC-27084D983451}"/>
+              </a:ext>
+            </a:extLst>
+          </p:cNvPr>
+          <p:cNvPicPr>
+            <a:picLocks noChangeAspect="1" noChangeArrowheads="1"/>
+          </p:cNvPicPr>
+          <p:nvPr/>
+        </p:nvPicPr>
+        <p:blipFill>
+          <a:blip r:embed="rId4">
+            <a:extLst>
+              <a:ext uri="{28A0092B-C50C-407E-A947-70E740481C1C}">
+                <a14:useLocalDpi xmlns:a14="http://schemas.microsoft.com/office/drawing/2010/main" val="0"/>
+              </a:ext>
+            </a:extLst>
+          </a:blip>
+          <a:srcRect/>
+          <a:stretch>
+            <a:fillRect/>
+          </a:stretch>
+        </p:blipFill>
+        <p:spPr bwMode="auto">
+          <a:xfrm>
+            <a:off x="3187700" y="342900"/>
+            <a:ext cx="1562100" cy="1562100"/>
+          </a:xfrm>
+          <a:prstGeom prst="rect">
+            <a:avLst/>
+          </a:prstGeom>
+          <a:noFill/>
+          <a:extLst>
+            <a:ext uri="{909E8E84-426E-40DD-AFC4-6F175D3DCCD1}">
+              <a14:hiddenFill xmlns:a14="http://schemas.microsoft.com/office/drawing/2010/main">
+                <a:solidFill>
+                  <a:srgbClr val="FFFFFF"/>
+                </a:solidFill>
+              </a14:hiddenFill>
+            </a:ext>
+          </a:extLst>
+        </p:spPr>
+      </p:pic>
+      <p:pic>
+        <p:nvPicPr>
+          <p:cNvPr id="1028" name="Picture 4" descr="Leather Wallet Driving License ID Card Holder Wallet Case FBI Metal Badge Stamp - Picture 6 of 7">
+            <a:extLst>
+              <a:ext uri="{FF2B5EF4-FFF2-40B4-BE49-F238E27FC236}">
+                <a16:creationId xmlns:a16="http://schemas.microsoft.com/office/drawing/2014/main" id="{89880E5B-F515-4332-930D-4EFA1E0AAD7A}"/>
+              </a:ext>
+            </a:extLst>
+          </p:cNvPr>
+          <p:cNvPicPr>
+            <a:picLocks noChangeAspect="1" noChangeArrowheads="1"/>
+          </p:cNvPicPr>
+          <p:nvPr/>
+        </p:nvPicPr>
+        <p:blipFill>
+          <a:blip r:embed="rId5">
+            <a:extLst>
+              <a:ext uri="{28A0092B-C50C-407E-A947-70E740481C1C}">
+                <a14:useLocalDpi xmlns:a14="http://schemas.microsoft.com/office/drawing/2010/main" val="0"/>
+              </a:ext>
+            </a:extLst>
+          </a:blip>
+          <a:srcRect/>
+          <a:stretch>
+            <a:fillRect/>
+          </a:stretch>
+        </p:blipFill>
+        <p:spPr bwMode="auto">
+          <a:xfrm>
+            <a:off x="4914984" y="228734"/>
+            <a:ext cx="1517650" cy="1517650"/>
+          </a:xfrm>
+          <a:prstGeom prst="rect">
+            <a:avLst/>
+          </a:prstGeom>
+          <a:noFill/>
+          <a:extLst>
+            <a:ext uri="{909E8E84-426E-40DD-AFC4-6F175D3DCCD1}">
+              <a14:hiddenFill xmlns:a14="http://schemas.microsoft.com/office/drawing/2010/main">
+                <a:solidFill>
+                  <a:srgbClr val="FFFFFF"/>
+                </a:solidFill>
+              </a14:hiddenFill>
+            </a:ext>
+          </a:extLst>
+        </p:spPr>
+      </p:pic>
+      <p:pic>
+        <p:nvPicPr>
+          <p:cNvPr id="24" name="Picture 23">
+            <a:extLst>
+              <a:ext uri="{FF2B5EF4-FFF2-40B4-BE49-F238E27FC236}">
+                <a16:creationId xmlns:a16="http://schemas.microsoft.com/office/drawing/2014/main" id="{5A87172B-A0A2-46DA-9C4E-DBA14684184C}"/>
+              </a:ext>
+            </a:extLst>
+          </p:cNvPr>
+          <p:cNvPicPr>
+            <a:picLocks noChangeAspect="1"/>
+          </p:cNvPicPr>
+          <p:nvPr/>
+        </p:nvPicPr>
+        <p:blipFill>
+          <a:blip r:embed="rId2"/>
+          <a:stretch>
+            <a:fillRect/>
+          </a:stretch>
+        </p:blipFill>
+        <p:spPr>
+          <a:xfrm>
+            <a:off x="10472507" y="3358805"/>
+            <a:ext cx="792393" cy="824809"/>
+          </a:xfrm>
+          <a:prstGeom prst="rect">
+            <a:avLst/>
+          </a:prstGeom>
+        </p:spPr>
+      </p:pic>
+      <p:cxnSp>
+        <p:nvCxnSpPr>
+          <p:cNvPr id="25" name="Straight Connector 24">
+            <a:extLst>
+              <a:ext uri="{FF2B5EF4-FFF2-40B4-BE49-F238E27FC236}">
+                <a16:creationId xmlns:a16="http://schemas.microsoft.com/office/drawing/2014/main" id="{C4D86BC9-8066-4B04-9354-6367AD0FBB68}"/>
+              </a:ext>
+            </a:extLst>
+          </p:cNvPr>
+          <p:cNvCxnSpPr>
+            <a:cxnSpLocks/>
+          </p:cNvCxnSpPr>
+          <p:nvPr/>
+        </p:nvCxnSpPr>
+        <p:spPr>
+          <a:xfrm>
+            <a:off x="2232109" y="4196314"/>
+            <a:ext cx="9093200" cy="0"/>
+          </a:xfrm>
+          <a:prstGeom prst="line">
+            <a:avLst/>
+          </a:prstGeom>
+        </p:spPr>
+        <p:style>
+          <a:lnRef idx="1">
+            <a:schemeClr val="accent1"/>
+          </a:lnRef>
+          <a:fillRef idx="0">
+            <a:schemeClr val="accent1"/>
+          </a:fillRef>
+          <a:effectRef idx="0">
+            <a:schemeClr val="accent1"/>
+          </a:effectRef>
+          <a:fontRef idx="minor">
+            <a:schemeClr val="tx1"/>
+          </a:fontRef>
+        </p:style>
+      </p:cxnSp>
+      <p:sp>
+        <p:nvSpPr>
+          <p:cNvPr id="22" name="TextBox 21">
+            <a:extLst>
+              <a:ext uri="{FF2B5EF4-FFF2-40B4-BE49-F238E27FC236}">
+                <a16:creationId xmlns:a16="http://schemas.microsoft.com/office/drawing/2014/main" id="{9F354E89-023C-4D48-8BC6-9F8C62ECCA28}"/>
+              </a:ext>
+            </a:extLst>
+          </p:cNvPr>
+          <p:cNvSpPr txBox="1"/>
+          <p:nvPr/>
+        </p:nvSpPr>
+        <p:spPr>
+          <a:xfrm>
+            <a:off x="1111091" y="3122532"/>
+            <a:ext cx="941925" cy="369332"/>
+          </a:xfrm>
+          <a:prstGeom prst="rect">
+            <a:avLst/>
+          </a:prstGeom>
+          <a:noFill/>
+        </p:spPr>
+        <p:txBody>
+          <a:bodyPr wrap="none" rtlCol="0">
+            <a:spAutoFit/>
+          </a:bodyPr>
+          <a:lstStyle/>
+          <a:p>
+            <a:r>
+              <a:rPr lang="en-US" dirty="0"/>
+              <a:t>Tuesday</a:t>
+            </a:r>
+          </a:p>
+        </p:txBody>
+      </p:sp>
+      <p:sp>
+        <p:nvSpPr>
+          <p:cNvPr id="23" name="TextBox 22">
+            <a:extLst>
+              <a:ext uri="{FF2B5EF4-FFF2-40B4-BE49-F238E27FC236}">
+                <a16:creationId xmlns:a16="http://schemas.microsoft.com/office/drawing/2014/main" id="{602E3410-6CB1-4BEE-A336-B21AB79FC2D6}"/>
+              </a:ext>
+            </a:extLst>
+          </p:cNvPr>
+          <p:cNvSpPr txBox="1"/>
+          <p:nvPr/>
+        </p:nvSpPr>
+        <p:spPr>
+          <a:xfrm>
+            <a:off x="1052291" y="1882339"/>
+            <a:ext cx="957826" cy="369332"/>
+          </a:xfrm>
+          <a:prstGeom prst="rect">
+            <a:avLst/>
+          </a:prstGeom>
+          <a:noFill/>
+        </p:spPr>
+        <p:txBody>
+          <a:bodyPr wrap="none" rtlCol="0">
+            <a:spAutoFit/>
+          </a:bodyPr>
+          <a:lstStyle/>
+          <a:p>
+            <a:r>
+              <a:rPr lang="en-US" dirty="0"/>
+              <a:t>Monday</a:t>
+            </a:r>
+          </a:p>
+        </p:txBody>
+      </p:sp>
+      <p:sp>
+        <p:nvSpPr>
+          <p:cNvPr id="26" name="TextBox 25">
+            <a:extLst>
+              <a:ext uri="{FF2B5EF4-FFF2-40B4-BE49-F238E27FC236}">
+                <a16:creationId xmlns:a16="http://schemas.microsoft.com/office/drawing/2014/main" id="{8F9AFDD9-3316-4DE9-B00D-661322BA63F1}"/>
+              </a:ext>
+            </a:extLst>
+          </p:cNvPr>
+          <p:cNvSpPr txBox="1"/>
+          <p:nvPr/>
+        </p:nvSpPr>
+        <p:spPr>
+          <a:xfrm>
+            <a:off x="7671049" y="2067005"/>
+            <a:ext cx="635110" cy="369332"/>
+          </a:xfrm>
+          <a:prstGeom prst="rect">
+            <a:avLst/>
+          </a:prstGeom>
+          <a:noFill/>
+        </p:spPr>
+        <p:txBody>
+          <a:bodyPr wrap="none" rtlCol="0">
+            <a:spAutoFit/>
+          </a:bodyPr>
+          <a:lstStyle/>
+          <a:p>
+            <a:r>
+              <a:rPr lang="en-US" dirty="0"/>
+              <a:t>Sin 1</a:t>
+            </a:r>
+          </a:p>
+        </p:txBody>
+      </p:sp>
+      <p:pic>
+        <p:nvPicPr>
+          <p:cNvPr id="29" name="Picture 28">
+            <a:extLst>
+              <a:ext uri="{FF2B5EF4-FFF2-40B4-BE49-F238E27FC236}">
+                <a16:creationId xmlns:a16="http://schemas.microsoft.com/office/drawing/2014/main" id="{30E687B7-6059-4FB2-9A01-5C8AAA639EEC}"/>
+              </a:ext>
+            </a:extLst>
+          </p:cNvPr>
+          <p:cNvPicPr>
+            <a:picLocks noChangeAspect="1"/>
+          </p:cNvPicPr>
+          <p:nvPr/>
+        </p:nvPicPr>
+        <p:blipFill>
+          <a:blip r:embed="rId6">
+            <a:extLst>
+              <a:ext uri="{28A0092B-C50C-407E-A947-70E740481C1C}">
+                <a14:useLocalDpi xmlns:a14="http://schemas.microsoft.com/office/drawing/2010/main" val="0"/>
+              </a:ext>
+            </a:extLst>
+          </a:blip>
+          <a:stretch>
+            <a:fillRect/>
+          </a:stretch>
+        </p:blipFill>
+        <p:spPr>
+          <a:xfrm>
+            <a:off x="8417978" y="2061675"/>
+            <a:ext cx="617654" cy="648677"/>
+          </a:xfrm>
+          <a:prstGeom prst="rect">
+            <a:avLst/>
+          </a:prstGeom>
+        </p:spPr>
+      </p:pic>
+      <p:pic>
+        <p:nvPicPr>
+          <p:cNvPr id="30" name="Picture 29">
+            <a:extLst>
+              <a:ext uri="{FF2B5EF4-FFF2-40B4-BE49-F238E27FC236}">
+                <a16:creationId xmlns:a16="http://schemas.microsoft.com/office/drawing/2014/main" id="{62A507E6-CA99-4B1B-996B-D241A16401B7}"/>
+              </a:ext>
+            </a:extLst>
+          </p:cNvPr>
+          <p:cNvPicPr>
+            <a:picLocks noChangeAspect="1"/>
+          </p:cNvPicPr>
+          <p:nvPr/>
+        </p:nvPicPr>
+        <p:blipFill>
+          <a:blip r:embed="rId7">
+            <a:extLst>
+              <a:ext uri="{28A0092B-C50C-407E-A947-70E740481C1C}">
+                <a14:useLocalDpi xmlns:a14="http://schemas.microsoft.com/office/drawing/2010/main" val="0"/>
+              </a:ext>
+            </a:extLst>
+          </a:blip>
+          <a:stretch>
+            <a:fillRect/>
+          </a:stretch>
+        </p:blipFill>
+        <p:spPr>
+          <a:xfrm>
+            <a:off x="8589582" y="1858980"/>
+            <a:ext cx="274446" cy="392691"/>
+          </a:xfrm>
+          <a:prstGeom prst="rect">
+            <a:avLst/>
+          </a:prstGeom>
+        </p:spPr>
+      </p:pic>
+      <p:pic>
+        <p:nvPicPr>
+          <p:cNvPr id="32" name="Picture 31">
+            <a:extLst>
+              <a:ext uri="{FF2B5EF4-FFF2-40B4-BE49-F238E27FC236}">
+                <a16:creationId xmlns:a16="http://schemas.microsoft.com/office/drawing/2014/main" id="{DAF8AF77-C9C0-402A-95AF-FEE1DE6C87BA}"/>
+              </a:ext>
+            </a:extLst>
+          </p:cNvPr>
+          <p:cNvPicPr>
+            <a:picLocks noChangeAspect="1"/>
+          </p:cNvPicPr>
+          <p:nvPr/>
+        </p:nvPicPr>
+        <p:blipFill>
+          <a:blip r:embed="rId6">
+            <a:extLst>
+              <a:ext uri="{28A0092B-C50C-407E-A947-70E740481C1C}">
+                <a14:useLocalDpi xmlns:a14="http://schemas.microsoft.com/office/drawing/2010/main" val="0"/>
+              </a:ext>
+            </a:extLst>
+          </a:blip>
+          <a:stretch>
+            <a:fillRect/>
+          </a:stretch>
+        </p:blipFill>
+        <p:spPr>
+          <a:xfrm>
+            <a:off x="11150028" y="3307198"/>
+            <a:ext cx="617654" cy="648677"/>
+          </a:xfrm>
+          <a:prstGeom prst="rect">
+            <a:avLst/>
+          </a:prstGeom>
+        </p:spPr>
+      </p:pic>
+      <p:pic>
+        <p:nvPicPr>
+          <p:cNvPr id="31" name="Picture 30">
+            <a:extLst>
+              <a:ext uri="{FF2B5EF4-FFF2-40B4-BE49-F238E27FC236}">
+                <a16:creationId xmlns:a16="http://schemas.microsoft.com/office/drawing/2014/main" id="{EDC3BC89-7E2D-485C-AB56-DBC5256A0DE1}"/>
+              </a:ext>
+            </a:extLst>
+          </p:cNvPr>
+          <p:cNvPicPr>
+            <a:picLocks noChangeAspect="1"/>
+          </p:cNvPicPr>
+          <p:nvPr/>
+        </p:nvPicPr>
+        <p:blipFill>
+          <a:blip r:embed="rId7">
+            <a:extLst>
+              <a:ext uri="{28A0092B-C50C-407E-A947-70E740481C1C}">
+                <a14:useLocalDpi xmlns:a14="http://schemas.microsoft.com/office/drawing/2010/main" val="0"/>
+              </a:ext>
+            </a:extLst>
+          </a:blip>
+          <a:stretch>
+            <a:fillRect/>
+          </a:stretch>
+        </p:blipFill>
+        <p:spPr>
+          <a:xfrm>
+            <a:off x="11312037" y="3077149"/>
+            <a:ext cx="274446" cy="392691"/>
+          </a:xfrm>
+          <a:prstGeom prst="rect">
+            <a:avLst/>
+          </a:prstGeom>
+        </p:spPr>
+      </p:pic>
+      <p:sp>
+        <p:nvSpPr>
+          <p:cNvPr id="35" name="TextBox 34">
+            <a:extLst>
+              <a:ext uri="{FF2B5EF4-FFF2-40B4-BE49-F238E27FC236}">
+                <a16:creationId xmlns:a16="http://schemas.microsoft.com/office/drawing/2014/main" id="{407B0B30-FAF8-4406-B532-4A29B60C824B}"/>
+              </a:ext>
+            </a:extLst>
+          </p:cNvPr>
+          <p:cNvSpPr txBox="1"/>
+          <p:nvPr/>
+        </p:nvSpPr>
+        <p:spPr>
+          <a:xfrm>
+            <a:off x="1000571" y="4216400"/>
+            <a:ext cx="1277979" cy="369332"/>
+          </a:xfrm>
+          <a:prstGeom prst="rect">
+            <a:avLst/>
+          </a:prstGeom>
+          <a:noFill/>
+        </p:spPr>
+        <p:txBody>
+          <a:bodyPr wrap="none" rtlCol="0">
+            <a:spAutoFit/>
+          </a:bodyPr>
+          <a:lstStyle/>
+          <a:p>
+            <a:r>
+              <a:rPr lang="en-US" dirty="0"/>
+              <a:t>Wednesday</a:t>
+            </a:r>
+          </a:p>
+        </p:txBody>
+      </p:sp>
+      <p:cxnSp>
+        <p:nvCxnSpPr>
+          <p:cNvPr id="36" name="Straight Connector 35">
+            <a:extLst>
+              <a:ext uri="{FF2B5EF4-FFF2-40B4-BE49-F238E27FC236}">
+                <a16:creationId xmlns:a16="http://schemas.microsoft.com/office/drawing/2014/main" id="{B892ED3C-5BA5-44DC-B26B-F836ED7DC5A7}"/>
+              </a:ext>
+            </a:extLst>
+          </p:cNvPr>
+          <p:cNvCxnSpPr>
+            <a:cxnSpLocks/>
+          </p:cNvCxnSpPr>
+          <p:nvPr/>
+        </p:nvCxnSpPr>
+        <p:spPr>
+          <a:xfrm>
+            <a:off x="2232109" y="5199614"/>
+            <a:ext cx="9093200" cy="0"/>
+          </a:xfrm>
+          <a:prstGeom prst="line">
+            <a:avLst/>
+          </a:prstGeom>
+        </p:spPr>
+        <p:style>
+          <a:lnRef idx="1">
+            <a:schemeClr val="accent1"/>
+          </a:lnRef>
+          <a:fillRef idx="0">
+            <a:schemeClr val="accent1"/>
+          </a:fillRef>
+          <a:effectRef idx="0">
+            <a:schemeClr val="accent1"/>
+          </a:effectRef>
+          <a:fontRef idx="minor">
+            <a:schemeClr val="tx1"/>
+          </a:fontRef>
+        </p:style>
+      </p:cxnSp>
+      <p:pic>
+        <p:nvPicPr>
+          <p:cNvPr id="37" name="Picture 36">
+            <a:extLst>
+              <a:ext uri="{FF2B5EF4-FFF2-40B4-BE49-F238E27FC236}">
+                <a16:creationId xmlns:a16="http://schemas.microsoft.com/office/drawing/2014/main" id="{38B10EA1-3114-4EE5-8EBF-DD0EF1550CA4}"/>
+              </a:ext>
+            </a:extLst>
+          </p:cNvPr>
+          <p:cNvPicPr>
+            <a:picLocks noChangeAspect="1"/>
+          </p:cNvPicPr>
+          <p:nvPr/>
+        </p:nvPicPr>
+        <p:blipFill>
+          <a:blip r:embed="rId2"/>
+          <a:stretch>
+            <a:fillRect/>
+          </a:stretch>
+        </p:blipFill>
+        <p:spPr>
+          <a:xfrm>
+            <a:off x="4192275" y="4285560"/>
+            <a:ext cx="792393" cy="824809"/>
+          </a:xfrm>
+          <a:prstGeom prst="rect">
+            <a:avLst/>
+          </a:prstGeom>
+        </p:spPr>
+      </p:pic>
+      <p:sp>
+        <p:nvSpPr>
+          <p:cNvPr id="39" name="TextBox 38">
+            <a:extLst>
+              <a:ext uri="{FF2B5EF4-FFF2-40B4-BE49-F238E27FC236}">
+                <a16:creationId xmlns:a16="http://schemas.microsoft.com/office/drawing/2014/main" id="{C7D81C73-EC9C-4277-9701-9F250B461872}"/>
+              </a:ext>
+            </a:extLst>
+          </p:cNvPr>
+          <p:cNvSpPr txBox="1"/>
+          <p:nvPr/>
+        </p:nvSpPr>
+        <p:spPr>
+          <a:xfrm>
+            <a:off x="11021103" y="3219625"/>
+            <a:ext cx="449162" cy="369332"/>
+          </a:xfrm>
+          <a:prstGeom prst="rect">
+            <a:avLst/>
+          </a:prstGeom>
+          <a:noFill/>
+        </p:spPr>
+        <p:txBody>
+          <a:bodyPr wrap="none" rtlCol="0">
+            <a:spAutoFit/>
+          </a:bodyPr>
+          <a:lstStyle/>
+          <a:p>
+            <a:r>
+              <a:rPr lang="en-US" dirty="0"/>
+              <a:t>sin</a:t>
+            </a:r>
+          </a:p>
+        </p:txBody>
+      </p:sp>
+      <p:pic>
+        <p:nvPicPr>
+          <p:cNvPr id="40" name="Picture 39">
+            <a:extLst>
+              <a:ext uri="{FF2B5EF4-FFF2-40B4-BE49-F238E27FC236}">
+                <a16:creationId xmlns:a16="http://schemas.microsoft.com/office/drawing/2014/main" id="{FF8086B7-B3AC-42A4-8A8A-AAC74F68777D}"/>
+              </a:ext>
+            </a:extLst>
+          </p:cNvPr>
+          <p:cNvPicPr>
+            <a:picLocks noChangeAspect="1"/>
+          </p:cNvPicPr>
+          <p:nvPr/>
+        </p:nvPicPr>
+        <p:blipFill>
+          <a:blip r:embed="rId6">
+            <a:extLst>
+              <a:ext uri="{28A0092B-C50C-407E-A947-70E740481C1C}">
+                <a14:useLocalDpi xmlns:a14="http://schemas.microsoft.com/office/drawing/2010/main" val="0"/>
+              </a:ext>
+            </a:extLst>
+          </a:blip>
+          <a:stretch>
+            <a:fillRect/>
+          </a:stretch>
+        </p:blipFill>
+        <p:spPr>
+          <a:xfrm>
+            <a:off x="5963781" y="4336131"/>
+            <a:ext cx="617654" cy="648677"/>
+          </a:xfrm>
+          <a:prstGeom prst="rect">
+            <a:avLst/>
+          </a:prstGeom>
+        </p:spPr>
+      </p:pic>
+      <p:pic>
+        <p:nvPicPr>
+          <p:cNvPr id="38" name="Picture 37">
+            <a:extLst>
+              <a:ext uri="{FF2B5EF4-FFF2-40B4-BE49-F238E27FC236}">
+                <a16:creationId xmlns:a16="http://schemas.microsoft.com/office/drawing/2014/main" id="{12184064-EA96-4CB0-B811-764A5F41A39B}"/>
+              </a:ext>
+            </a:extLst>
+          </p:cNvPr>
+          <p:cNvPicPr>
+            <a:picLocks noChangeAspect="1"/>
+          </p:cNvPicPr>
+          <p:nvPr/>
+        </p:nvPicPr>
+        <p:blipFill>
+          <a:blip r:embed="rId7">
+            <a:extLst>
+              <a:ext uri="{28A0092B-C50C-407E-A947-70E740481C1C}">
+                <a14:useLocalDpi xmlns:a14="http://schemas.microsoft.com/office/drawing/2010/main" val="0"/>
+              </a:ext>
+            </a:extLst>
+          </a:blip>
+          <a:stretch>
+            <a:fillRect/>
+          </a:stretch>
+        </p:blipFill>
+        <p:spPr>
+          <a:xfrm>
+            <a:off x="6166674" y="4056498"/>
+            <a:ext cx="181463" cy="392691"/>
+          </a:xfrm>
+          <a:prstGeom prst="rect">
+            <a:avLst/>
+          </a:prstGeom>
+        </p:spPr>
+      </p:pic>
+      <p:sp>
+        <p:nvSpPr>
+          <p:cNvPr id="41" name="TextBox 40">
+            <a:extLst>
+              <a:ext uri="{FF2B5EF4-FFF2-40B4-BE49-F238E27FC236}">
+                <a16:creationId xmlns:a16="http://schemas.microsoft.com/office/drawing/2014/main" id="{02E52C73-863C-428E-9765-2226C902B75A}"/>
+              </a:ext>
+            </a:extLst>
+          </p:cNvPr>
+          <p:cNvSpPr txBox="1"/>
+          <p:nvPr/>
+        </p:nvSpPr>
+        <p:spPr>
+          <a:xfrm>
+            <a:off x="5512147" y="4088290"/>
+            <a:ext cx="566181" cy="369332"/>
+          </a:xfrm>
+          <a:prstGeom prst="rect">
+            <a:avLst/>
+          </a:prstGeom>
+          <a:noFill/>
+        </p:spPr>
+        <p:txBody>
+          <a:bodyPr wrap="none" rtlCol="0">
+            <a:spAutoFit/>
+          </a:bodyPr>
+          <a:lstStyle/>
+          <a:p>
+            <a:r>
+              <a:rPr lang="en-US" dirty="0"/>
+              <a:t>sin1</a:t>
+            </a:r>
+          </a:p>
+        </p:txBody>
+      </p:sp>
+      <p:sp>
+        <p:nvSpPr>
+          <p:cNvPr id="43" name="TextBox 42">
+            <a:extLst>
+              <a:ext uri="{FF2B5EF4-FFF2-40B4-BE49-F238E27FC236}">
+                <a16:creationId xmlns:a16="http://schemas.microsoft.com/office/drawing/2014/main" id="{933C8F3A-E5C1-48D5-9C00-FD69246F90A5}"/>
+              </a:ext>
+            </a:extLst>
+          </p:cNvPr>
+          <p:cNvSpPr txBox="1"/>
+          <p:nvPr/>
+        </p:nvSpPr>
+        <p:spPr>
+          <a:xfrm>
+            <a:off x="962446" y="5325403"/>
+            <a:ext cx="1038811" cy="369332"/>
+          </a:xfrm>
+          <a:prstGeom prst="rect">
+            <a:avLst/>
+          </a:prstGeom>
+          <a:noFill/>
+        </p:spPr>
+        <p:txBody>
+          <a:bodyPr wrap="none" rtlCol="0">
+            <a:spAutoFit/>
+          </a:bodyPr>
+          <a:lstStyle/>
+          <a:p>
+            <a:r>
+              <a:rPr lang="en-US" dirty="0"/>
+              <a:t>Thursday</a:t>
+            </a:r>
+          </a:p>
+        </p:txBody>
+      </p:sp>
+      <p:cxnSp>
+        <p:nvCxnSpPr>
+          <p:cNvPr id="44" name="Straight Connector 43">
+            <a:extLst>
+              <a:ext uri="{FF2B5EF4-FFF2-40B4-BE49-F238E27FC236}">
+                <a16:creationId xmlns:a16="http://schemas.microsoft.com/office/drawing/2014/main" id="{34457065-D7C2-41B4-9605-3D7E18F5E817}"/>
+              </a:ext>
+            </a:extLst>
+          </p:cNvPr>
+          <p:cNvCxnSpPr>
+            <a:cxnSpLocks/>
+          </p:cNvCxnSpPr>
+          <p:nvPr/>
+        </p:nvCxnSpPr>
+        <p:spPr>
+          <a:xfrm>
+            <a:off x="2159000" y="5839237"/>
+            <a:ext cx="9093200" cy="0"/>
+          </a:xfrm>
+          <a:prstGeom prst="line">
+            <a:avLst/>
+          </a:prstGeom>
+        </p:spPr>
+        <p:style>
+          <a:lnRef idx="1">
+            <a:schemeClr val="accent1"/>
+          </a:lnRef>
+          <a:fillRef idx="0">
+            <a:schemeClr val="accent1"/>
+          </a:fillRef>
+          <a:effectRef idx="0">
+            <a:schemeClr val="accent1"/>
+          </a:effectRef>
+          <a:fontRef idx="minor">
+            <a:schemeClr val="tx1"/>
+          </a:fontRef>
+        </p:style>
+      </p:cxnSp>
+      <p:sp>
+        <p:nvSpPr>
+          <p:cNvPr id="45" name="TextBox 44">
+            <a:extLst>
+              <a:ext uri="{FF2B5EF4-FFF2-40B4-BE49-F238E27FC236}">
+                <a16:creationId xmlns:a16="http://schemas.microsoft.com/office/drawing/2014/main" id="{1E6A9106-9B77-46E0-ACE5-344DBB68BB1A}"/>
+              </a:ext>
+            </a:extLst>
+          </p:cNvPr>
+          <p:cNvSpPr txBox="1"/>
+          <p:nvPr/>
+        </p:nvSpPr>
+        <p:spPr>
+          <a:xfrm>
+            <a:off x="996385" y="5839237"/>
+            <a:ext cx="755848" cy="369332"/>
+          </a:xfrm>
+          <a:prstGeom prst="rect">
+            <a:avLst/>
+          </a:prstGeom>
+          <a:noFill/>
+        </p:spPr>
+        <p:txBody>
+          <a:bodyPr wrap="none" rtlCol="0">
+            <a:spAutoFit/>
+          </a:bodyPr>
+          <a:lstStyle/>
+          <a:p>
+            <a:r>
+              <a:rPr lang="en-US" dirty="0"/>
+              <a:t>Friday</a:t>
+            </a:r>
+          </a:p>
+        </p:txBody>
+      </p:sp>
+      <p:sp>
+        <p:nvSpPr>
+          <p:cNvPr id="46" name="TextBox 45">
+            <a:extLst>
+              <a:ext uri="{FF2B5EF4-FFF2-40B4-BE49-F238E27FC236}">
+                <a16:creationId xmlns:a16="http://schemas.microsoft.com/office/drawing/2014/main" id="{60812D85-827D-4619-BB29-4A535FDDF7BD}"/>
+              </a:ext>
+            </a:extLst>
+          </p:cNvPr>
+          <p:cNvSpPr txBox="1"/>
+          <p:nvPr/>
+        </p:nvSpPr>
+        <p:spPr>
+          <a:xfrm>
+            <a:off x="978315" y="6101841"/>
+            <a:ext cx="1007071" cy="369332"/>
+          </a:xfrm>
+          <a:prstGeom prst="rect">
+            <a:avLst/>
+          </a:prstGeom>
+          <a:noFill/>
+        </p:spPr>
+        <p:txBody>
+          <a:bodyPr wrap="none" rtlCol="0">
+            <a:spAutoFit/>
+          </a:bodyPr>
+          <a:lstStyle/>
+          <a:p>
+            <a:r>
+              <a:rPr lang="en-US" dirty="0"/>
+              <a:t>Saturday</a:t>
+            </a:r>
+          </a:p>
+        </p:txBody>
+      </p:sp>
+      <p:sp>
+        <p:nvSpPr>
+          <p:cNvPr id="47" name="TextBox 46">
+            <a:extLst>
+              <a:ext uri="{FF2B5EF4-FFF2-40B4-BE49-F238E27FC236}">
+                <a16:creationId xmlns:a16="http://schemas.microsoft.com/office/drawing/2014/main" id="{73753B69-0DE1-4C93-A8AE-9A4549AF7CC3}"/>
+              </a:ext>
+            </a:extLst>
+          </p:cNvPr>
+          <p:cNvSpPr txBox="1"/>
+          <p:nvPr/>
+        </p:nvSpPr>
+        <p:spPr>
+          <a:xfrm>
+            <a:off x="1048622" y="6471173"/>
+            <a:ext cx="866456" cy="369332"/>
+          </a:xfrm>
+          <a:prstGeom prst="rect">
+            <a:avLst/>
+          </a:prstGeom>
+          <a:noFill/>
+        </p:spPr>
+        <p:txBody>
+          <a:bodyPr wrap="none" rtlCol="0">
+            <a:spAutoFit/>
+          </a:bodyPr>
+          <a:lstStyle/>
+          <a:p>
+            <a:r>
+              <a:rPr lang="en-US" dirty="0"/>
+              <a:t>Sunday</a:t>
+            </a:r>
+          </a:p>
+        </p:txBody>
+      </p:sp>
+      <p:cxnSp>
+        <p:nvCxnSpPr>
+          <p:cNvPr id="48" name="Straight Connector 47">
+            <a:extLst>
+              <a:ext uri="{FF2B5EF4-FFF2-40B4-BE49-F238E27FC236}">
+                <a16:creationId xmlns:a16="http://schemas.microsoft.com/office/drawing/2014/main" id="{DB5F6363-B486-43FC-B61D-E40E2C28A541}"/>
+              </a:ext>
+            </a:extLst>
+          </p:cNvPr>
+          <p:cNvCxnSpPr>
+            <a:cxnSpLocks/>
+          </p:cNvCxnSpPr>
+          <p:nvPr/>
+        </p:nvCxnSpPr>
+        <p:spPr>
+          <a:xfrm>
+            <a:off x="2218837" y="6367907"/>
+            <a:ext cx="9093200" cy="0"/>
+          </a:xfrm>
+          <a:prstGeom prst="line">
+            <a:avLst/>
+          </a:prstGeom>
+        </p:spPr>
+        <p:style>
+          <a:lnRef idx="1">
+            <a:schemeClr val="accent1"/>
+          </a:lnRef>
+          <a:fillRef idx="0">
+            <a:schemeClr val="accent1"/>
+          </a:fillRef>
+          <a:effectRef idx="0">
+            <a:schemeClr val="accent1"/>
+          </a:effectRef>
+          <a:fontRef idx="minor">
+            <a:schemeClr val="tx1"/>
+          </a:fontRef>
+        </p:style>
+      </p:cxnSp>
+      <p:cxnSp>
+        <p:nvCxnSpPr>
+          <p:cNvPr id="49" name="Straight Connector 48">
+            <a:extLst>
+              <a:ext uri="{FF2B5EF4-FFF2-40B4-BE49-F238E27FC236}">
+                <a16:creationId xmlns:a16="http://schemas.microsoft.com/office/drawing/2014/main" id="{A5B50467-EC2E-4B46-B42D-B4FDBA2CDB26}"/>
+              </a:ext>
+            </a:extLst>
+          </p:cNvPr>
+          <p:cNvCxnSpPr>
+            <a:cxnSpLocks/>
+          </p:cNvCxnSpPr>
+          <p:nvPr/>
+        </p:nvCxnSpPr>
+        <p:spPr>
+          <a:xfrm>
+            <a:off x="2218837" y="6737239"/>
+            <a:ext cx="9093200" cy="0"/>
+          </a:xfrm>
+          <a:prstGeom prst="line">
+            <a:avLst/>
+          </a:prstGeom>
+        </p:spPr>
+        <p:style>
+          <a:lnRef idx="1">
+            <a:schemeClr val="accent1"/>
+          </a:lnRef>
+          <a:fillRef idx="0">
+            <a:schemeClr val="accent1"/>
+          </a:fillRef>
+          <a:effectRef idx="0">
+            <a:schemeClr val="accent1"/>
+          </a:effectRef>
+          <a:fontRef idx="minor">
+            <a:schemeClr val="tx1"/>
+          </a:fontRef>
+        </p:style>
+      </p:cxnSp>
+      <p:pic>
+        <p:nvPicPr>
+          <p:cNvPr id="50" name="Picture 49">
+            <a:extLst>
+              <a:ext uri="{FF2B5EF4-FFF2-40B4-BE49-F238E27FC236}">
+                <a16:creationId xmlns:a16="http://schemas.microsoft.com/office/drawing/2014/main" id="{3C972608-8EFA-4B4C-8F16-5DF4B9ED867C}"/>
+              </a:ext>
+            </a:extLst>
+          </p:cNvPr>
+          <p:cNvPicPr>
+            <a:picLocks noChangeAspect="1"/>
+          </p:cNvPicPr>
+          <p:nvPr/>
+        </p:nvPicPr>
+        <p:blipFill>
+          <a:blip r:embed="rId2"/>
+          <a:stretch>
+            <a:fillRect/>
+          </a:stretch>
+        </p:blipFill>
+        <p:spPr>
+          <a:xfrm>
+            <a:off x="4963921" y="5200978"/>
+            <a:ext cx="792393" cy="824809"/>
+          </a:xfrm>
+          <a:prstGeom prst="rect">
+            <a:avLst/>
+          </a:prstGeom>
+        </p:spPr>
+      </p:pic>
+      <p:pic>
+        <p:nvPicPr>
+          <p:cNvPr id="51" name="Picture 50">
+            <a:extLst>
+              <a:ext uri="{FF2B5EF4-FFF2-40B4-BE49-F238E27FC236}">
+                <a16:creationId xmlns:a16="http://schemas.microsoft.com/office/drawing/2014/main" id="{BCB3FBFD-A2E1-43E6-BCD6-2A6CDF035B3F}"/>
+              </a:ext>
+            </a:extLst>
+          </p:cNvPr>
+          <p:cNvPicPr>
+            <a:picLocks noChangeAspect="1"/>
+          </p:cNvPicPr>
+          <p:nvPr/>
+        </p:nvPicPr>
+        <p:blipFill>
+          <a:blip r:embed="rId6">
+            <a:extLst>
+              <a:ext uri="{28A0092B-C50C-407E-A947-70E740481C1C}">
+                <a14:useLocalDpi xmlns:a14="http://schemas.microsoft.com/office/drawing/2010/main" val="0"/>
+              </a:ext>
+            </a:extLst>
+          </a:blip>
+          <a:stretch>
+            <a:fillRect/>
+          </a:stretch>
+        </p:blipFill>
+        <p:spPr>
+          <a:xfrm>
+            <a:off x="6735427" y="5251549"/>
+            <a:ext cx="617654" cy="648677"/>
+          </a:xfrm>
+          <a:prstGeom prst="rect">
+            <a:avLst/>
+          </a:prstGeom>
+        </p:spPr>
+      </p:pic>
+      <p:pic>
+        <p:nvPicPr>
+          <p:cNvPr id="52" name="Picture 51">
+            <a:extLst>
+              <a:ext uri="{FF2B5EF4-FFF2-40B4-BE49-F238E27FC236}">
+                <a16:creationId xmlns:a16="http://schemas.microsoft.com/office/drawing/2014/main" id="{E8F70892-E26A-4C1B-ADEA-B2943F4AF54B}"/>
+              </a:ext>
+            </a:extLst>
+          </p:cNvPr>
+          <p:cNvPicPr>
+            <a:picLocks noChangeAspect="1"/>
+          </p:cNvPicPr>
+          <p:nvPr/>
+        </p:nvPicPr>
+        <p:blipFill>
+          <a:blip r:embed="rId7">
+            <a:extLst>
+              <a:ext uri="{28A0092B-C50C-407E-A947-70E740481C1C}">
+                <a14:useLocalDpi xmlns:a14="http://schemas.microsoft.com/office/drawing/2010/main" val="0"/>
+              </a:ext>
+            </a:extLst>
+          </a:blip>
+          <a:stretch>
+            <a:fillRect/>
+          </a:stretch>
+        </p:blipFill>
+        <p:spPr>
+          <a:xfrm>
+            <a:off x="6938320" y="4971916"/>
+            <a:ext cx="181463" cy="392691"/>
+          </a:xfrm>
+          <a:prstGeom prst="rect">
+            <a:avLst/>
+          </a:prstGeom>
+        </p:spPr>
+      </p:pic>
+      <p:sp>
+        <p:nvSpPr>
+          <p:cNvPr id="53" name="TextBox 52">
+            <a:extLst>
+              <a:ext uri="{FF2B5EF4-FFF2-40B4-BE49-F238E27FC236}">
+                <a16:creationId xmlns:a16="http://schemas.microsoft.com/office/drawing/2014/main" id="{F70C4E26-1187-42EA-A582-25A6EAE50695}"/>
+              </a:ext>
+            </a:extLst>
+          </p:cNvPr>
+          <p:cNvSpPr txBox="1"/>
+          <p:nvPr/>
+        </p:nvSpPr>
+        <p:spPr>
+          <a:xfrm>
+            <a:off x="6283793" y="5003708"/>
+            <a:ext cx="635110" cy="369332"/>
+          </a:xfrm>
+          <a:prstGeom prst="rect">
+            <a:avLst/>
+          </a:prstGeom>
+          <a:noFill/>
+        </p:spPr>
+        <p:txBody>
+          <a:bodyPr wrap="none" rtlCol="0">
+            <a:spAutoFit/>
+          </a:bodyPr>
+          <a:lstStyle/>
+          <a:p>
+            <a:r>
+              <a:rPr lang="en-US"/>
+              <a:t>Sin 1</a:t>
+            </a:r>
+            <a:endParaRPr lang="en-US" dirty="0"/>
+          </a:p>
+        </p:txBody>
+      </p:sp>
+    </p:spTree>
+    <p:extLst>
+      <p:ext uri="{BB962C8B-B14F-4D97-AF65-F5344CB8AC3E}">
+        <p14:creationId xmlns:p14="http://schemas.microsoft.com/office/powerpoint/2010/main" val="2595289695"/>
       </p:ext>
     </p:extLst>
   </p:cSld>
